--- a/Project proposal.pptx
+++ b/Project proposal.pptx
@@ -5,10 +5,10 @@
     <p:sldMasterId id="2147483660" r:id="rId4"/>
   </p:sldMasterIdLst>
   <p:notesMasterIdLst>
-    <p:notesMasterId r:id="rId15"/>
+    <p:notesMasterId r:id="rId16"/>
   </p:notesMasterIdLst>
   <p:handoutMasterIdLst>
-    <p:handoutMasterId r:id="rId16"/>
+    <p:handoutMasterId r:id="rId17"/>
   </p:handoutMasterIdLst>
   <p:sldIdLst>
     <p:sldId id="257" r:id="rId5"/>
@@ -16,11 +16,12 @@
     <p:sldId id="268" r:id="rId7"/>
     <p:sldId id="262" r:id="rId8"/>
     <p:sldId id="269" r:id="rId9"/>
-    <p:sldId id="267" r:id="rId10"/>
-    <p:sldId id="259" r:id="rId11"/>
-    <p:sldId id="263" r:id="rId12"/>
-    <p:sldId id="271" r:id="rId13"/>
-    <p:sldId id="265" r:id="rId14"/>
+    <p:sldId id="272" r:id="rId10"/>
+    <p:sldId id="267" r:id="rId11"/>
+    <p:sldId id="259" r:id="rId12"/>
+    <p:sldId id="263" r:id="rId13"/>
+    <p:sldId id="271" r:id="rId14"/>
+    <p:sldId id="265" r:id="rId15"/>
   </p:sldIdLst>
   <p:sldSz cx="12188825" cy="6858000"/>
   <p:notesSz cx="6858000" cy="9144000"/>
@@ -6203,7 +6204,7 @@
             <a:fld id="{3EBA5BD7-F043-4D1B-AA17-CD412FC534DE}" type="slidenum">
               <a:rPr lang="de-DE" smtClean="0"/>
               <a:pPr/>
-              <a:t>6</a:t>
+              <a:t>7</a:t>
             </a:fld>
             <a:endParaRPr lang="de-DE" dirty="0"/>
           </a:p>
@@ -6288,7 +6289,7 @@
             <a:pPr rtl="0"/>
             <a:fld id="{3EBA5BD7-F043-4D1B-AA17-CD412FC534DE}" type="slidenum">
               <a:rPr lang="de-DE" smtClean="0"/>
-              <a:t>10</a:t>
+              <a:t>11</a:t>
             </a:fld>
             <a:endParaRPr lang="de-DE" dirty="0"/>
           </a:p>
@@ -11012,6 +11013,111 @@
       </p:grpSpPr>
       <p:sp>
         <p:nvSpPr>
+          <p:cNvPr id="2" name="Titel 1"/>
+          <p:cNvSpPr>
+            <a:spLocks noGrp="1"/>
+          </p:cNvSpPr>
+          <p:nvPr>
+            <p:ph type="title"/>
+          </p:nvPr>
+        </p:nvSpPr>
+        <p:spPr/>
+        <p:txBody>
+          <a:bodyPr rtlCol="0"/>
+          <a:lstStyle/>
+          <a:p>
+            <a:pPr rtl="0"/>
+            <a:r>
+              <a:rPr lang="de-DE" dirty="0"/>
+              <a:t>Folientitel hinzufügen – 4</a:t>
+            </a:r>
+          </a:p>
+        </p:txBody>
+      </p:sp>
+      <p:sp>
+        <p:nvSpPr>
+          <p:cNvPr id="4" name="Textplatzhalter 3"/>
+          <p:cNvSpPr>
+            <a:spLocks noGrp="1"/>
+          </p:cNvSpPr>
+          <p:nvPr>
+            <p:ph type="body" sz="half" idx="2"/>
+          </p:nvPr>
+        </p:nvSpPr>
+        <p:spPr/>
+        <p:txBody>
+          <a:bodyPr rtlCol="0"/>
+          <a:lstStyle/>
+          <a:p>
+            <a:pPr rtl="0"/>
+            <a:endParaRPr lang="de-DE" dirty="0"/>
+          </a:p>
+        </p:txBody>
+      </p:sp>
+      <p:sp>
+        <p:nvSpPr>
+          <p:cNvPr id="3" name="Inhaltsplatzhalter 2"/>
+          <p:cNvSpPr>
+            <a:spLocks noGrp="1"/>
+          </p:cNvSpPr>
+          <p:nvPr>
+            <p:ph idx="1"/>
+          </p:nvPr>
+        </p:nvSpPr>
+        <p:spPr/>
+        <p:txBody>
+          <a:bodyPr rtlCol="0"/>
+          <a:lstStyle/>
+          <a:p>
+            <a:pPr rtl="0"/>
+            <a:endParaRPr lang="de-DE" dirty="0"/>
+          </a:p>
+        </p:txBody>
+      </p:sp>
+    </p:spTree>
+    <p:extLst>
+      <p:ext uri="{BB962C8B-B14F-4D97-AF65-F5344CB8AC3E}">
+        <p14:creationId xmlns:p14="http://schemas.microsoft.com/office/powerpoint/2010/main" val="2319046984"/>
+      </p:ext>
+    </p:extLst>
+  </p:cSld>
+  <p:clrMapOvr>
+    <a:masterClrMapping/>
+  </p:clrMapOvr>
+  <mc:AlternateContent xmlns:mc="http://schemas.openxmlformats.org/markup-compatibility/2006" xmlns:p14="http://schemas.microsoft.com/office/powerpoint/2010/main">
+    <mc:Choice Requires="p14">
+      <p:transition spd="med" p14:dur="700">
+        <p:fade/>
+      </p:transition>
+    </mc:Choice>
+    <mc:Fallback xmlns="">
+      <p:transition spd="med">
+        <p:fade/>
+      </p:transition>
+    </mc:Fallback>
+  </mc:AlternateContent>
+</p:sld>
+</file>
+
+<file path=ppt/slides/slide11.xml><?xml version="1.0" encoding="utf-8"?>
+<p:sld xmlns:a="http://schemas.openxmlformats.org/drawingml/2006/main" xmlns:r="http://schemas.openxmlformats.org/officeDocument/2006/relationships" xmlns:p="http://schemas.openxmlformats.org/presentationml/2006/main">
+  <p:cSld>
+    <p:spTree>
+      <p:nvGrpSpPr>
+        <p:cNvPr id="1" name=""/>
+        <p:cNvGrpSpPr/>
+        <p:nvPr/>
+      </p:nvGrpSpPr>
+      <p:grpSpPr>
+        <a:xfrm>
+          <a:off x="0" y="0"/>
+          <a:ext cx="0" cy="0"/>
+          <a:chOff x="0" y="0"/>
+          <a:chExt cx="0" cy="0"/>
+        </a:xfrm>
+      </p:grpSpPr>
+      <p:sp>
+        <p:nvSpPr>
           <p:cNvPr id="3" name="Titel 2"/>
           <p:cNvSpPr>
             <a:spLocks noGrp="1"/>
@@ -11675,7 +11781,12 @@
             <p:ph sz="half" idx="1"/>
           </p:nvPr>
         </p:nvSpPr>
-        <p:spPr/>
+        <p:spPr>
+          <a:xfrm>
+            <a:off x="1218883" y="1706880"/>
+            <a:ext cx="4371473" cy="4465320"/>
+          </a:xfrm>
+        </p:spPr>
         <p:txBody>
           <a:bodyPr rtlCol="0"/>
           <a:lstStyle/>
@@ -11683,22 +11794,37 @@
             <a:pPr rtl="0"/>
             <a:r>
               <a:rPr lang="de-DE" dirty="0"/>
-              <a:t>Erster Aufzählungspunkt hier</a:t>
+              <a:t>25 </a:t>
             </a:r>
+            <a:r>
+              <a:rPr lang="de-DE" dirty="0" err="1"/>
+              <a:t>fractions</a:t>
+            </a:r>
+            <a:endParaRPr lang="de-DE" dirty="0"/>
           </a:p>
           <a:p>
             <a:pPr rtl="0"/>
             <a:r>
               <a:rPr lang="de-DE" dirty="0"/>
-              <a:t>Zweiter Aufzählungspunkt hier</a:t>
+              <a:t>3 </a:t>
             </a:r>
+            <a:r>
+              <a:rPr lang="de-DE" dirty="0" err="1"/>
+              <a:t>repetitions</a:t>
+            </a:r>
+            <a:endParaRPr lang="de-DE" dirty="0"/>
           </a:p>
           <a:p>
             <a:pPr rtl="0"/>
             <a:r>
               <a:rPr lang="de-DE" dirty="0"/>
-              <a:t>Dritter Aufzählungspunkt hier</a:t>
+              <a:t>3680 human </a:t>
             </a:r>
+            <a:r>
+              <a:rPr lang="de-DE" dirty="0" err="1"/>
+              <a:t>proteins</a:t>
+            </a:r>
+            <a:endParaRPr lang="de-DE" dirty="0"/>
           </a:p>
         </p:txBody>
       </p:sp>
@@ -11712,14 +11838,14 @@
             <p:ph sz="half" idx="2"/>
             <p:extLst>
               <p:ext uri="{D42A27DB-BD31-4B8C-83A1-F6EECF244321}">
-                <p14:modId xmlns:p14="http://schemas.microsoft.com/office/powerpoint/2010/main" val="1580206012"/>
+                <p14:modId xmlns:p14="http://schemas.microsoft.com/office/powerpoint/2010/main" val="3167890413"/>
               </p:ext>
             </p:extLst>
           </p:nvPr>
         </p:nvGraphicFramePr>
         <p:xfrm>
-          <a:off x="6500813" y="1706563"/>
-          <a:ext cx="5078412" cy="2255836"/>
+          <a:off x="547194" y="3868207"/>
+          <a:ext cx="11094435" cy="2565825"/>
         </p:xfrm>
         <a:graphic>
           <a:graphicData uri="http://schemas.openxmlformats.org/drawingml/2006/table">
@@ -11728,29 +11854,71 @@
                 <a:tableStyleId>{5C22544A-7EE6-4342-B048-85BDC9FD1C3A}</a:tableStyleId>
               </a:tblPr>
               <a:tblGrid>
-                <a:gridCol w="1692804">
+                <a:gridCol w="1681480">
                   <a:extLst>
                     <a:ext uri="{9D8B030D-6E8A-4147-A177-3AD203B41FA5}">
                       <a16:colId xmlns:a16="http://schemas.microsoft.com/office/drawing/2014/main" val="20000"/>
                     </a:ext>
                   </a:extLst>
                 </a:gridCol>
-                <a:gridCol w="1692804">
+                <a:gridCol w="1171638">
                   <a:extLst>
                     <a:ext uri="{9D8B030D-6E8A-4147-A177-3AD203B41FA5}">
                       <a16:colId xmlns:a16="http://schemas.microsoft.com/office/drawing/2014/main" val="20001"/>
                     </a:ext>
                   </a:extLst>
                 </a:gridCol>
-                <a:gridCol w="1692804">
+                <a:gridCol w="1177331">
                   <a:extLst>
                     <a:ext uri="{9D8B030D-6E8A-4147-A177-3AD203B41FA5}">
                       <a16:colId xmlns:a16="http://schemas.microsoft.com/office/drawing/2014/main" val="20002"/>
                     </a:ext>
                   </a:extLst>
                 </a:gridCol>
+                <a:gridCol w="1177331">
+                  <a:extLst>
+                    <a:ext uri="{9D8B030D-6E8A-4147-A177-3AD203B41FA5}">
+                      <a16:colId xmlns:a16="http://schemas.microsoft.com/office/drawing/2014/main" val="2941756499"/>
+                    </a:ext>
+                  </a:extLst>
+                </a:gridCol>
+                <a:gridCol w="1177331">
+                  <a:extLst>
+                    <a:ext uri="{9D8B030D-6E8A-4147-A177-3AD203B41FA5}">
+                      <a16:colId xmlns:a16="http://schemas.microsoft.com/office/drawing/2014/main" val="2718451984"/>
+                    </a:ext>
+                  </a:extLst>
+                </a:gridCol>
+                <a:gridCol w="1177331">
+                  <a:extLst>
+                    <a:ext uri="{9D8B030D-6E8A-4147-A177-3AD203B41FA5}">
+                      <a16:colId xmlns:a16="http://schemas.microsoft.com/office/drawing/2014/main" val="2087498001"/>
+                    </a:ext>
+                  </a:extLst>
+                </a:gridCol>
+                <a:gridCol w="1177331">
+                  <a:extLst>
+                    <a:ext uri="{9D8B030D-6E8A-4147-A177-3AD203B41FA5}">
+                      <a16:colId xmlns:a16="http://schemas.microsoft.com/office/drawing/2014/main" val="351167835"/>
+                    </a:ext>
+                  </a:extLst>
+                </a:gridCol>
+                <a:gridCol w="1177331">
+                  <a:extLst>
+                    <a:ext uri="{9D8B030D-6E8A-4147-A177-3AD203B41FA5}">
+                      <a16:colId xmlns:a16="http://schemas.microsoft.com/office/drawing/2014/main" val="2307432798"/>
+                    </a:ext>
+                  </a:extLst>
+                </a:gridCol>
+                <a:gridCol w="1177331">
+                  <a:extLst>
+                    <a:ext uri="{9D8B030D-6E8A-4147-A177-3AD203B41FA5}">
+                      <a16:colId xmlns:a16="http://schemas.microsoft.com/office/drawing/2014/main" val="4153072716"/>
+                    </a:ext>
+                  </a:extLst>
+                </a:gridCol>
               </a:tblGrid>
-              <a:tr h="563959">
+              <a:tr h="120721">
                 <a:tc>
                   <a:txBody>
                     <a:bodyPr/>
@@ -11758,9 +11926,14 @@
                     <a:p>
                       <a:pPr rtl="0"/>
                       <a:r>
-                        <a:rPr lang="de-DE" dirty="0"/>
-                        <a:t>Klasse</a:t>
+                        <a:rPr lang="de-DE" sz="1800" dirty="0"/>
+                        <a:t>Human </a:t>
                       </a:r>
+                      <a:r>
+                        <a:rPr lang="de-DE" sz="1800" dirty="0" err="1"/>
+                        <a:t>protein</a:t>
+                      </a:r>
+                      <a:endParaRPr lang="de-DE" sz="1800" dirty="0"/>
                     </a:p>
                   </a:txBody>
                   <a:tcPr anchor="ctr">
@@ -11776,9 +11949,28 @@
                     <a:p>
                       <a:pPr algn="ctr" rtl="0"/>
                       <a:r>
-                        <a:rPr lang="de-DE" dirty="0"/>
-                        <a:t>Gruppe 1</a:t>
+                        <a:rPr lang="de-DE" sz="1800" dirty="0" err="1"/>
+                        <a:t>Fraction</a:t>
                       </a:r>
+                      <a:r>
+                        <a:rPr lang="de-DE" sz="1800" dirty="0"/>
+                        <a:t> 1</a:t>
+                      </a:r>
+                    </a:p>
+                    <a:p>
+                      <a:pPr algn="ctr" rtl="0"/>
+                      <a:r>
+                        <a:rPr lang="de-DE" sz="1800" dirty="0"/>
+                        <a:t>Rep. 1 </a:t>
+                      </a:r>
+                    </a:p>
+                    <a:p>
+                      <a:pPr algn="ctr" rtl="0"/>
+                      <a:r>
+                        <a:rPr lang="de-DE" sz="1800" dirty="0" err="1"/>
+                        <a:t>Ctlr</a:t>
+                      </a:r>
+                      <a:endParaRPr lang="de-DE" sz="1800" dirty="0"/>
                     </a:p>
                   </a:txBody>
                   <a:tcPr anchor="ctr">
@@ -11794,9 +11986,371 @@
                     <a:p>
                       <a:pPr algn="ctr" rtl="0"/>
                       <a:r>
-                        <a:rPr lang="de-DE" dirty="0"/>
-                        <a:t>Gruppe 2</a:t>
+                        <a:rPr lang="de-DE" sz="1800" dirty="0" err="1"/>
+                        <a:t>Fraction</a:t>
                       </a:r>
+                      <a:r>
+                        <a:rPr lang="de-DE" sz="1800" dirty="0"/>
+                        <a:t> 1</a:t>
+                      </a:r>
+                    </a:p>
+                    <a:p>
+                      <a:pPr algn="ctr" rtl="0"/>
+                      <a:r>
+                        <a:rPr lang="de-DE" sz="1800" dirty="0"/>
+                        <a:t>Rep. 1</a:t>
+                      </a:r>
+                    </a:p>
+                    <a:p>
+                      <a:pPr algn="ctr" rtl="0"/>
+                      <a:r>
+                        <a:rPr lang="de-DE" sz="1800" dirty="0" err="1"/>
+                        <a:t>RNase</a:t>
+                      </a:r>
+                      <a:endParaRPr lang="de-DE" sz="1800" dirty="0"/>
+                    </a:p>
+                  </a:txBody>
+                  <a:tcPr anchor="ctr">
+                    <a:solidFill>
+                      <a:srgbClr val="008282"/>
+                    </a:solidFill>
+                  </a:tcPr>
+                </a:tc>
+                <a:tc>
+                  <a:txBody>
+                    <a:bodyPr/>
+                    <a:lstStyle/>
+                    <a:p>
+                      <a:pPr algn="ctr" rtl="0"/>
+                      <a:r>
+                        <a:rPr lang="de-DE" sz="1800" dirty="0" err="1"/>
+                        <a:t>Fraction</a:t>
+                      </a:r>
+                      <a:r>
+                        <a:rPr lang="de-DE" sz="1800" dirty="0"/>
+                        <a:t> 1</a:t>
+                      </a:r>
+                    </a:p>
+                    <a:p>
+                      <a:pPr algn="ctr" rtl="0"/>
+                      <a:r>
+                        <a:rPr lang="de-DE" sz="1800" dirty="0"/>
+                        <a:t>Rep. 2</a:t>
+                      </a:r>
+                    </a:p>
+                    <a:p>
+                      <a:pPr algn="ctr" rtl="0"/>
+                      <a:r>
+                        <a:rPr lang="de-DE" sz="1800" dirty="0" err="1"/>
+                        <a:t>Ctlr</a:t>
+                      </a:r>
+                      <a:endParaRPr lang="de-DE" sz="1800" dirty="0"/>
+                    </a:p>
+                  </a:txBody>
+                  <a:tcPr anchor="ctr">
+                    <a:solidFill>
+                      <a:srgbClr val="008282"/>
+                    </a:solidFill>
+                  </a:tcPr>
+                </a:tc>
+                <a:tc>
+                  <a:txBody>
+                    <a:bodyPr/>
+                    <a:lstStyle/>
+                    <a:p>
+                      <a:pPr marL="0" marR="0" lvl="0" indent="0" algn="ctr" defTabSz="1218987" rtl="0" eaLnBrk="1" fontAlgn="auto" latinLnBrk="0" hangingPunct="1">
+                        <a:lnSpc>
+                          <a:spcPct val="100000"/>
+                        </a:lnSpc>
+                        <a:spcBef>
+                          <a:spcPts val="0"/>
+                        </a:spcBef>
+                        <a:spcAft>
+                          <a:spcPts val="0"/>
+                        </a:spcAft>
+                        <a:buClrTx/>
+                        <a:buSzTx/>
+                        <a:buFontTx/>
+                        <a:buNone/>
+                        <a:tabLst/>
+                        <a:defRPr/>
+                      </a:pPr>
+                      <a:r>
+                        <a:rPr lang="de-DE" sz="1800" dirty="0" err="1"/>
+                        <a:t>Fraction</a:t>
+                      </a:r>
+                      <a:r>
+                        <a:rPr lang="de-DE" sz="1800" dirty="0"/>
+                        <a:t> 1</a:t>
+                      </a:r>
+                    </a:p>
+                    <a:p>
+                      <a:pPr algn="ctr" rtl="0"/>
+                      <a:r>
+                        <a:rPr lang="de-DE" sz="1800" dirty="0"/>
+                        <a:t>Rep. 2</a:t>
+                      </a:r>
+                    </a:p>
+                    <a:p>
+                      <a:pPr algn="ctr" rtl="0"/>
+                      <a:r>
+                        <a:rPr lang="de-DE" sz="1800" dirty="0" err="1"/>
+                        <a:t>RNase</a:t>
+                      </a:r>
+                      <a:endParaRPr lang="de-DE" sz="1800" dirty="0"/>
+                    </a:p>
+                  </a:txBody>
+                  <a:tcPr anchor="ctr">
+                    <a:solidFill>
+                      <a:srgbClr val="008282"/>
+                    </a:solidFill>
+                  </a:tcPr>
+                </a:tc>
+                <a:tc>
+                  <a:txBody>
+                    <a:bodyPr/>
+                    <a:lstStyle/>
+                    <a:p>
+                      <a:pPr marL="0" marR="0" lvl="0" indent="0" algn="ctr" defTabSz="1218987" rtl="0" eaLnBrk="1" fontAlgn="auto" latinLnBrk="0" hangingPunct="1">
+                        <a:lnSpc>
+                          <a:spcPct val="100000"/>
+                        </a:lnSpc>
+                        <a:spcBef>
+                          <a:spcPts val="0"/>
+                        </a:spcBef>
+                        <a:spcAft>
+                          <a:spcPts val="0"/>
+                        </a:spcAft>
+                        <a:buClrTx/>
+                        <a:buSzTx/>
+                        <a:buFontTx/>
+                        <a:buNone/>
+                        <a:tabLst/>
+                        <a:defRPr/>
+                      </a:pPr>
+                      <a:r>
+                        <a:rPr lang="de-DE" sz="1800" dirty="0" err="1"/>
+                        <a:t>Fraction</a:t>
+                      </a:r>
+                      <a:r>
+                        <a:rPr lang="de-DE" sz="1800" dirty="0"/>
+                        <a:t> 1</a:t>
+                      </a:r>
+                    </a:p>
+                    <a:p>
+                      <a:pPr algn="ctr" rtl="0"/>
+                      <a:r>
+                        <a:rPr lang="de-DE" sz="1800" dirty="0"/>
+                        <a:t>Rep. 3</a:t>
+                      </a:r>
+                    </a:p>
+                    <a:p>
+                      <a:pPr algn="ctr" rtl="0"/>
+                      <a:r>
+                        <a:rPr lang="de-DE" sz="1800" dirty="0" err="1"/>
+                        <a:t>Ctlr</a:t>
+                      </a:r>
+                      <a:endParaRPr lang="de-DE" sz="1800" dirty="0"/>
+                    </a:p>
+                  </a:txBody>
+                  <a:tcPr anchor="ctr">
+                    <a:solidFill>
+                      <a:srgbClr val="008282"/>
+                    </a:solidFill>
+                  </a:tcPr>
+                </a:tc>
+                <a:tc>
+                  <a:txBody>
+                    <a:bodyPr/>
+                    <a:lstStyle/>
+                    <a:p>
+                      <a:pPr marL="0" marR="0" lvl="0" indent="0" algn="ctr" defTabSz="1218987" rtl="0" eaLnBrk="1" fontAlgn="auto" latinLnBrk="0" hangingPunct="1">
+                        <a:lnSpc>
+                          <a:spcPct val="100000"/>
+                        </a:lnSpc>
+                        <a:spcBef>
+                          <a:spcPts val="0"/>
+                        </a:spcBef>
+                        <a:spcAft>
+                          <a:spcPts val="0"/>
+                        </a:spcAft>
+                        <a:buClrTx/>
+                        <a:buSzTx/>
+                        <a:buFontTx/>
+                        <a:buNone/>
+                        <a:tabLst/>
+                        <a:defRPr/>
+                      </a:pPr>
+                      <a:r>
+                        <a:rPr lang="de-DE" sz="1800" dirty="0" err="1"/>
+                        <a:t>Fraction</a:t>
+                      </a:r>
+                      <a:r>
+                        <a:rPr lang="de-DE" sz="1800" dirty="0"/>
+                        <a:t> 1</a:t>
+                      </a:r>
+                    </a:p>
+                    <a:p>
+                      <a:pPr marL="0" marR="0" lvl="0" indent="0" algn="ctr" defTabSz="1218987" rtl="0" eaLnBrk="1" fontAlgn="auto" latinLnBrk="0" hangingPunct="1">
+                        <a:lnSpc>
+                          <a:spcPct val="100000"/>
+                        </a:lnSpc>
+                        <a:spcBef>
+                          <a:spcPts val="0"/>
+                        </a:spcBef>
+                        <a:spcAft>
+                          <a:spcPts val="0"/>
+                        </a:spcAft>
+                        <a:buClrTx/>
+                        <a:buSzTx/>
+                        <a:buFontTx/>
+                        <a:buNone/>
+                        <a:tabLst/>
+                        <a:defRPr/>
+                      </a:pPr>
+                      <a:r>
+                        <a:rPr lang="de-DE" sz="1800" dirty="0"/>
+                        <a:t>Rep. 3</a:t>
+                      </a:r>
+                    </a:p>
+                    <a:p>
+                      <a:pPr marL="0" marR="0" lvl="0" indent="0" algn="ctr" defTabSz="1218987" rtl="0" eaLnBrk="1" fontAlgn="auto" latinLnBrk="0" hangingPunct="1">
+                        <a:lnSpc>
+                          <a:spcPct val="100000"/>
+                        </a:lnSpc>
+                        <a:spcBef>
+                          <a:spcPts val="0"/>
+                        </a:spcBef>
+                        <a:spcAft>
+                          <a:spcPts val="0"/>
+                        </a:spcAft>
+                        <a:buClrTx/>
+                        <a:buSzTx/>
+                        <a:buFontTx/>
+                        <a:buNone/>
+                        <a:tabLst/>
+                        <a:defRPr/>
+                      </a:pPr>
+                      <a:r>
+                        <a:rPr lang="de-DE" sz="1800" dirty="0" err="1"/>
+                        <a:t>RNase</a:t>
+                      </a:r>
+                      <a:endParaRPr lang="de-DE" sz="1800" dirty="0"/>
+                    </a:p>
+                  </a:txBody>
+                  <a:tcPr anchor="ctr">
+                    <a:solidFill>
+                      <a:srgbClr val="008282"/>
+                    </a:solidFill>
+                  </a:tcPr>
+                </a:tc>
+                <a:tc>
+                  <a:txBody>
+                    <a:bodyPr/>
+                    <a:lstStyle/>
+                    <a:p>
+                      <a:pPr marL="0" marR="0" lvl="0" indent="0" algn="ctr" defTabSz="1218987" rtl="0" eaLnBrk="1" fontAlgn="auto" latinLnBrk="0" hangingPunct="1">
+                        <a:lnSpc>
+                          <a:spcPct val="100000"/>
+                        </a:lnSpc>
+                        <a:spcBef>
+                          <a:spcPts val="0"/>
+                        </a:spcBef>
+                        <a:spcAft>
+                          <a:spcPts val="0"/>
+                        </a:spcAft>
+                        <a:buClrTx/>
+                        <a:buSzTx/>
+                        <a:buFontTx/>
+                        <a:buNone/>
+                        <a:tabLst/>
+                        <a:defRPr/>
+                      </a:pPr>
+                      <a:r>
+                        <a:rPr lang="de-DE" sz="1800" dirty="0" err="1"/>
+                        <a:t>Fraction</a:t>
+                      </a:r>
+                      <a:r>
+                        <a:rPr lang="de-DE" sz="1800" dirty="0"/>
+                        <a:t> 2</a:t>
+                      </a:r>
+                    </a:p>
+                    <a:p>
+                      <a:pPr algn="ctr" rtl="0"/>
+                      <a:r>
+                        <a:rPr lang="de-DE" sz="1800" dirty="0"/>
+                        <a:t>Rep. 1 </a:t>
+                      </a:r>
+                    </a:p>
+                    <a:p>
+                      <a:pPr algn="ctr" rtl="0"/>
+                      <a:r>
+                        <a:rPr lang="de-DE" sz="1800" dirty="0" err="1"/>
+                        <a:t>Ctlr</a:t>
+                      </a:r>
+                      <a:endParaRPr lang="de-DE" sz="1800" dirty="0"/>
+                    </a:p>
+                  </a:txBody>
+                  <a:tcPr anchor="ctr">
+                    <a:solidFill>
+                      <a:srgbClr val="008282"/>
+                    </a:solidFill>
+                  </a:tcPr>
+                </a:tc>
+                <a:tc>
+                  <a:txBody>
+                    <a:bodyPr/>
+                    <a:lstStyle/>
+                    <a:p>
+                      <a:pPr marL="0" marR="0" lvl="0" indent="0" algn="ctr" defTabSz="1218987" rtl="0" eaLnBrk="1" fontAlgn="auto" latinLnBrk="0" hangingPunct="1">
+                        <a:lnSpc>
+                          <a:spcPct val="100000"/>
+                        </a:lnSpc>
+                        <a:spcBef>
+                          <a:spcPts val="0"/>
+                        </a:spcBef>
+                        <a:spcAft>
+                          <a:spcPts val="0"/>
+                        </a:spcAft>
+                        <a:buClrTx/>
+                        <a:buSzTx/>
+                        <a:buFontTx/>
+                        <a:buNone/>
+                        <a:tabLst/>
+                        <a:defRPr/>
+                      </a:pPr>
+                      <a:r>
+                        <a:rPr lang="de-DE" sz="1800" dirty="0"/>
+                        <a:t>… </a:t>
+                      </a:r>
+                      <a:r>
+                        <a:rPr lang="de-DE" sz="1800" dirty="0" err="1"/>
+                        <a:t>Fraction</a:t>
+                      </a:r>
+                      <a:r>
+                        <a:rPr lang="de-DE" sz="1800" dirty="0"/>
+                        <a:t> 25</a:t>
+                      </a:r>
+                    </a:p>
+                    <a:p>
+                      <a:pPr marL="0" marR="0" lvl="0" indent="0" algn="ctr" defTabSz="1218987" rtl="0" eaLnBrk="1" fontAlgn="auto" latinLnBrk="0" hangingPunct="1">
+                        <a:lnSpc>
+                          <a:spcPct val="100000"/>
+                        </a:lnSpc>
+                        <a:spcBef>
+                          <a:spcPts val="0"/>
+                        </a:spcBef>
+                        <a:spcAft>
+                          <a:spcPts val="0"/>
+                        </a:spcAft>
+                        <a:buClrTx/>
+                        <a:buSzTx/>
+                        <a:buFontTx/>
+                        <a:buNone/>
+                        <a:tabLst/>
+                        <a:defRPr/>
+                      </a:pPr>
+                      <a:endParaRPr lang="de-DE" sz="1800" dirty="0"/>
                     </a:p>
                   </a:txBody>
                   <a:tcPr anchor="ctr">
@@ -11811,7 +12365,7 @@
                   </a:ext>
                 </a:extLst>
               </a:tr>
-              <a:tr h="563959">
+              <a:tr h="550475">
                 <a:tc>
                   <a:txBody>
                     <a:bodyPr/>
@@ -11819,8 +12373,8 @@
                     <a:p>
                       <a:pPr rtl="0"/>
                       <a:r>
-                        <a:rPr lang="de-DE" dirty="0"/>
-                        <a:t>Klasse 1</a:t>
+                        <a:rPr lang="de-DE" sz="1800" dirty="0"/>
+                        <a:t>PTPRJ_HUMAN</a:t>
                       </a:r>
                     </a:p>
                   </a:txBody>
@@ -11833,8 +12387,8 @@
                     <a:p>
                       <a:pPr algn="ctr" rtl="0"/>
                       <a:r>
-                        <a:rPr lang="de-DE" dirty="0"/>
-                        <a:t>82</a:t>
+                        <a:rPr lang="de-DE" sz="1800" dirty="0"/>
+                        <a:t>0</a:t>
                       </a:r>
                     </a:p>
                   </a:txBody>
@@ -11847,29 +12401,8 @@
                     <a:p>
                       <a:pPr algn="ctr" rtl="0"/>
                       <a:r>
-                        <a:rPr lang="de-DE" dirty="0"/>
-                        <a:t>95</a:t>
-                      </a:r>
-                    </a:p>
-                  </a:txBody>
-                  <a:tcPr anchor="ctr"/>
-                </a:tc>
-                <a:extLst>
-                  <a:ext uri="{0D108BD9-81ED-4DB2-BD59-A6C34878D82A}">
-                    <a16:rowId xmlns:a16="http://schemas.microsoft.com/office/drawing/2014/main" val="10001"/>
-                  </a:ext>
-                </a:extLst>
-              </a:tr>
-              <a:tr h="563959">
-                <a:tc>
-                  <a:txBody>
-                    <a:bodyPr/>
-                    <a:lstStyle/>
-                    <a:p>
-                      <a:pPr rtl="0"/>
-                      <a:r>
-                        <a:rPr lang="de-DE" dirty="0"/>
-                        <a:t>Klasse 2</a:t>
+                        <a:rPr lang="de-DE" sz="1800" dirty="0"/>
+                        <a:t>0</a:t>
                       </a:r>
                     </a:p>
                   </a:txBody>
@@ -11882,7 +12415,100 @@
                     <a:p>
                       <a:pPr algn="ctr" rtl="0"/>
                       <a:r>
-                        <a:rPr lang="de-DE" dirty="0"/>
+                        <a:rPr lang="de-DE" sz="1800" dirty="0"/>
+                        <a:t>0</a:t>
+                      </a:r>
+                    </a:p>
+                  </a:txBody>
+                  <a:tcPr anchor="ctr"/>
+                </a:tc>
+                <a:tc>
+                  <a:txBody>
+                    <a:bodyPr/>
+                    <a:lstStyle/>
+                    <a:p>
+                      <a:pPr algn="ctr" rtl="0"/>
+                      <a:r>
+                        <a:rPr lang="de-DE" sz="1800" dirty="0"/>
+                        <a:t>0</a:t>
+                      </a:r>
+                    </a:p>
+                  </a:txBody>
+                  <a:tcPr anchor="ctr"/>
+                </a:tc>
+                <a:tc>
+                  <a:txBody>
+                    <a:bodyPr/>
+                    <a:lstStyle/>
+                    <a:p>
+                      <a:pPr algn="ctr" rtl="0"/>
+                      <a:endParaRPr lang="de-DE" sz="1800" dirty="0"/>
+                    </a:p>
+                  </a:txBody>
+                  <a:tcPr anchor="ctr"/>
+                </a:tc>
+                <a:tc>
+                  <a:txBody>
+                    <a:bodyPr/>
+                    <a:lstStyle/>
+                    <a:p>
+                      <a:pPr algn="ctr" rtl="0"/>
+                      <a:endParaRPr lang="de-DE" sz="1800" dirty="0"/>
+                    </a:p>
+                  </a:txBody>
+                  <a:tcPr anchor="ctr"/>
+                </a:tc>
+                <a:tc>
+                  <a:txBody>
+                    <a:bodyPr/>
+                    <a:lstStyle/>
+                    <a:p>
+                      <a:pPr algn="ctr" rtl="0"/>
+                      <a:endParaRPr lang="de-DE" sz="1800" dirty="0"/>
+                    </a:p>
+                  </a:txBody>
+                  <a:tcPr anchor="ctr"/>
+                </a:tc>
+                <a:tc>
+                  <a:txBody>
+                    <a:bodyPr/>
+                    <a:lstStyle/>
+                    <a:p>
+                      <a:pPr algn="ctr" rtl="0"/>
+                      <a:endParaRPr lang="de-DE" sz="1800" dirty="0"/>
+                    </a:p>
+                  </a:txBody>
+                  <a:tcPr anchor="ctr"/>
+                </a:tc>
+                <a:extLst>
+                  <a:ext uri="{0D108BD9-81ED-4DB2-BD59-A6C34878D82A}">
+                    <a16:rowId xmlns:a16="http://schemas.microsoft.com/office/drawing/2014/main" val="10001"/>
+                  </a:ext>
+                </a:extLst>
+              </a:tr>
+              <a:tr h="550475">
+                <a:tc>
+                  <a:txBody>
+                    <a:bodyPr/>
+                    <a:lstStyle/>
+                    <a:p>
+                      <a:pPr rtl="0"/>
+                      <a:r>
+                        <a:rPr lang="de-DE" sz="1800" dirty="0"/>
+                        <a:t>B2L13_HUMAN</a:t>
+                      </a:r>
+                    </a:p>
+                  </a:txBody>
+                  <a:tcPr anchor="ctr"/>
+                </a:tc>
+                <a:tc>
+                  <a:txBody>
+                    <a:bodyPr/>
+                    <a:lstStyle/>
+                    <a:p>
+                      <a:pPr algn="ctr" rtl="0"/>
+                      <a:r>
+                        <a:rPr lang="de-DE" sz="1800" dirty="0"/>
                         <a:t>76</a:t>
                       </a:r>
                     </a:p>
@@ -11896,9 +12522,75 @@
                     <a:p>
                       <a:pPr algn="ctr" rtl="0"/>
                       <a:r>
-                        <a:rPr lang="de-DE" dirty="0"/>
+                        <a:rPr lang="de-DE" sz="1800" dirty="0"/>
                         <a:t>88</a:t>
                       </a:r>
+                    </a:p>
+                  </a:txBody>
+                  <a:tcPr anchor="ctr"/>
+                </a:tc>
+                <a:tc>
+                  <a:txBody>
+                    <a:bodyPr/>
+                    <a:lstStyle/>
+                    <a:p>
+                      <a:pPr algn="ctr" rtl="0"/>
+                      <a:endParaRPr lang="de-DE" sz="1800" dirty="0"/>
+                    </a:p>
+                  </a:txBody>
+                  <a:tcPr anchor="ctr"/>
+                </a:tc>
+                <a:tc>
+                  <a:txBody>
+                    <a:bodyPr/>
+                    <a:lstStyle/>
+                    <a:p>
+                      <a:pPr algn="ctr" rtl="0"/>
+                      <a:endParaRPr lang="de-DE" sz="1800" dirty="0"/>
+                    </a:p>
+                  </a:txBody>
+                  <a:tcPr anchor="ctr"/>
+                </a:tc>
+                <a:tc>
+                  <a:txBody>
+                    <a:bodyPr/>
+                    <a:lstStyle/>
+                    <a:p>
+                      <a:pPr algn="ctr" rtl="0"/>
+                      <a:endParaRPr lang="de-DE" sz="1800" dirty="0"/>
+                    </a:p>
+                  </a:txBody>
+                  <a:tcPr anchor="ctr"/>
+                </a:tc>
+                <a:tc>
+                  <a:txBody>
+                    <a:bodyPr/>
+                    <a:lstStyle/>
+                    <a:p>
+                      <a:pPr algn="ctr" rtl="0"/>
+                      <a:endParaRPr lang="de-DE" sz="1800" dirty="0"/>
+                    </a:p>
+                  </a:txBody>
+                  <a:tcPr anchor="ctr"/>
+                </a:tc>
+                <a:tc>
+                  <a:txBody>
+                    <a:bodyPr/>
+                    <a:lstStyle/>
+                    <a:p>
+                      <a:pPr algn="ctr" rtl="0"/>
+                      <a:endParaRPr lang="de-DE" sz="1800" dirty="0"/>
+                    </a:p>
+                  </a:txBody>
+                  <a:tcPr anchor="ctr"/>
+                </a:tc>
+                <a:tc>
+                  <a:txBody>
+                    <a:bodyPr/>
+                    <a:lstStyle/>
+                    <a:p>
+                      <a:pPr algn="ctr" rtl="0"/>
+                      <a:endParaRPr lang="de-DE" sz="1800" dirty="0"/>
                     </a:p>
                   </a:txBody>
                   <a:tcPr anchor="ctr"/>
@@ -11909,7 +12601,7 @@
                   </a:ext>
                 </a:extLst>
               </a:tr>
-              <a:tr h="563959">
+              <a:tr h="550475">
                 <a:tc>
                   <a:txBody>
                     <a:bodyPr/>
@@ -11917,7 +12609,7 @@
                     <a:p>
                       <a:pPr rtl="0"/>
                       <a:r>
-                        <a:rPr lang="de-DE" dirty="0"/>
+                        <a:rPr lang="de-DE" sz="1800" dirty="0"/>
                         <a:t>Klasse 3</a:t>
                       </a:r>
                     </a:p>
@@ -11931,7 +12623,7 @@
                     <a:p>
                       <a:pPr algn="ctr" rtl="0"/>
                       <a:r>
-                        <a:rPr lang="de-DE" dirty="0"/>
+                        <a:rPr lang="de-DE" sz="1800" dirty="0"/>
                         <a:t>84</a:t>
                       </a:r>
                     </a:p>
@@ -11945,9 +12637,75 @@
                     <a:p>
                       <a:pPr algn="ctr" rtl="0"/>
                       <a:r>
-                        <a:rPr lang="de-DE" dirty="0"/>
+                        <a:rPr lang="de-DE" sz="1800" dirty="0"/>
                         <a:t>90</a:t>
                       </a:r>
+                    </a:p>
+                  </a:txBody>
+                  <a:tcPr anchor="ctr"/>
+                </a:tc>
+                <a:tc>
+                  <a:txBody>
+                    <a:bodyPr/>
+                    <a:lstStyle/>
+                    <a:p>
+                      <a:pPr algn="ctr" rtl="0"/>
+                      <a:endParaRPr lang="de-DE" sz="1800" dirty="0"/>
+                    </a:p>
+                  </a:txBody>
+                  <a:tcPr anchor="ctr"/>
+                </a:tc>
+                <a:tc>
+                  <a:txBody>
+                    <a:bodyPr/>
+                    <a:lstStyle/>
+                    <a:p>
+                      <a:pPr algn="ctr" rtl="0"/>
+                      <a:endParaRPr lang="de-DE" sz="1800" dirty="0"/>
+                    </a:p>
+                  </a:txBody>
+                  <a:tcPr anchor="ctr"/>
+                </a:tc>
+                <a:tc>
+                  <a:txBody>
+                    <a:bodyPr/>
+                    <a:lstStyle/>
+                    <a:p>
+                      <a:pPr algn="ctr" rtl="0"/>
+                      <a:endParaRPr lang="de-DE" sz="1800" dirty="0"/>
+                    </a:p>
+                  </a:txBody>
+                  <a:tcPr anchor="ctr"/>
+                </a:tc>
+                <a:tc>
+                  <a:txBody>
+                    <a:bodyPr/>
+                    <a:lstStyle/>
+                    <a:p>
+                      <a:pPr algn="ctr" rtl="0"/>
+                      <a:endParaRPr lang="de-DE" sz="1800" dirty="0"/>
+                    </a:p>
+                  </a:txBody>
+                  <a:tcPr anchor="ctr"/>
+                </a:tc>
+                <a:tc>
+                  <a:txBody>
+                    <a:bodyPr/>
+                    <a:lstStyle/>
+                    <a:p>
+                      <a:pPr algn="ctr" rtl="0"/>
+                      <a:endParaRPr lang="de-DE" sz="1800" dirty="0"/>
+                    </a:p>
+                  </a:txBody>
+                  <a:tcPr anchor="ctr"/>
+                </a:tc>
+                <a:tc>
+                  <a:txBody>
+                    <a:bodyPr/>
+                    <a:lstStyle/>
+                    <a:p>
+                      <a:pPr algn="ctr" rtl="0"/>
+                      <a:endParaRPr lang="de-DE" sz="1800" dirty="0"/>
                     </a:p>
                   </a:txBody>
                   <a:tcPr anchor="ctr"/>
@@ -12006,6 +12764,123 @@
       </p:grpSpPr>
       <p:sp>
         <p:nvSpPr>
+          <p:cNvPr id="2" name="Titel 1">
+            <a:extLst>
+              <a:ext uri="{FF2B5EF4-FFF2-40B4-BE49-F238E27FC236}">
+                <a16:creationId xmlns:a16="http://schemas.microsoft.com/office/drawing/2014/main" id="{3CD9201F-10AA-47AE-927B-AEFBEB4D180C}"/>
+              </a:ext>
+            </a:extLst>
+          </p:cNvPr>
+          <p:cNvSpPr>
+            <a:spLocks noGrp="1"/>
+          </p:cNvSpPr>
+          <p:nvPr>
+            <p:ph type="title"/>
+          </p:nvPr>
+        </p:nvSpPr>
+        <p:spPr/>
+        <p:txBody>
+          <a:bodyPr/>
+          <a:lstStyle/>
+          <a:p>
+            <a:endParaRPr lang="de-DE"/>
+          </a:p>
+        </p:txBody>
+      </p:sp>
+      <p:sp>
+        <p:nvSpPr>
+          <p:cNvPr id="3" name="Inhaltsplatzhalter 2">
+            <a:extLst>
+              <a:ext uri="{FF2B5EF4-FFF2-40B4-BE49-F238E27FC236}">
+                <a16:creationId xmlns:a16="http://schemas.microsoft.com/office/drawing/2014/main" id="{5747F99A-071A-4D5E-9E89-6887476CAE10}"/>
+              </a:ext>
+            </a:extLst>
+          </p:cNvPr>
+          <p:cNvSpPr>
+            <a:spLocks noGrp="1"/>
+          </p:cNvSpPr>
+          <p:nvPr>
+            <p:ph sz="half" idx="1"/>
+          </p:nvPr>
+        </p:nvSpPr>
+        <p:spPr/>
+        <p:txBody>
+          <a:bodyPr/>
+          <a:lstStyle/>
+          <a:p>
+            <a:endParaRPr lang="de-DE"/>
+          </a:p>
+        </p:txBody>
+      </p:sp>
+      <p:sp>
+        <p:nvSpPr>
+          <p:cNvPr id="4" name="Inhaltsplatzhalter 3">
+            <a:extLst>
+              <a:ext uri="{FF2B5EF4-FFF2-40B4-BE49-F238E27FC236}">
+                <a16:creationId xmlns:a16="http://schemas.microsoft.com/office/drawing/2014/main" id="{04EBECF3-79EB-4DB1-89A2-6F4B204D1B83}"/>
+              </a:ext>
+            </a:extLst>
+          </p:cNvPr>
+          <p:cNvSpPr>
+            <a:spLocks noGrp="1"/>
+          </p:cNvSpPr>
+          <p:nvPr>
+            <p:ph sz="half" idx="2"/>
+          </p:nvPr>
+        </p:nvSpPr>
+        <p:spPr/>
+        <p:txBody>
+          <a:bodyPr/>
+          <a:lstStyle/>
+          <a:p>
+            <a:endParaRPr lang="de-DE"/>
+          </a:p>
+        </p:txBody>
+      </p:sp>
+    </p:spTree>
+    <p:extLst>
+      <p:ext uri="{BB962C8B-B14F-4D97-AF65-F5344CB8AC3E}">
+        <p14:creationId xmlns:p14="http://schemas.microsoft.com/office/powerpoint/2010/main" val="2279491738"/>
+      </p:ext>
+    </p:extLst>
+  </p:cSld>
+  <p:clrMapOvr>
+    <a:masterClrMapping/>
+  </p:clrMapOvr>
+  <mc:AlternateContent xmlns:mc="http://schemas.openxmlformats.org/markup-compatibility/2006" xmlns:p14="http://schemas.microsoft.com/office/powerpoint/2010/main">
+    <mc:Choice Requires="p14">
+      <p:transition spd="med" p14:dur="700">
+        <p:fade/>
+      </p:transition>
+    </mc:Choice>
+    <mc:Fallback xmlns="">
+      <p:transition spd="med">
+        <p:fade/>
+      </p:transition>
+    </mc:Fallback>
+  </mc:AlternateContent>
+</p:sld>
+</file>
+
+<file path=ppt/slides/slide7.xml><?xml version="1.0" encoding="utf-8"?>
+<p:sld xmlns:a="http://schemas.openxmlformats.org/drawingml/2006/main" xmlns:r="http://schemas.openxmlformats.org/officeDocument/2006/relationships" xmlns:p="http://schemas.openxmlformats.org/presentationml/2006/main">
+  <p:cSld>
+    <p:spTree>
+      <p:nvGrpSpPr>
+        <p:cNvPr id="1" name=""/>
+        <p:cNvGrpSpPr/>
+        <p:nvPr/>
+      </p:nvGrpSpPr>
+      <p:grpSpPr>
+        <a:xfrm>
+          <a:off x="0" y="0"/>
+          <a:ext cx="0" cy="0"/>
+          <a:chOff x="0" y="0"/>
+          <a:chExt cx="0" cy="0"/>
+        </a:xfrm>
+      </p:grpSpPr>
+      <p:sp>
+        <p:nvSpPr>
           <p:cNvPr id="7" name="Titel 6"/>
           <p:cNvSpPr>
             <a:spLocks noGrp="1"/>
@@ -12077,7 +12952,7 @@
 </p:sld>
 </file>
 
-<file path=ppt/slides/slide7.xml><?xml version="1.0" encoding="utf-8"?>
+<file path=ppt/slides/slide8.xml><?xml version="1.0" encoding="utf-8"?>
 <p:sld xmlns:a="http://schemas.openxmlformats.org/drawingml/2006/main" xmlns:r="http://schemas.openxmlformats.org/officeDocument/2006/relationships" xmlns:p="http://schemas.openxmlformats.org/presentationml/2006/main">
   <p:cSld>
     <p:spTree>
@@ -12141,48 +13016,6 @@
     <p:extLst>
       <p:ext uri="{BB962C8B-B14F-4D97-AF65-F5344CB8AC3E}">
         <p14:creationId xmlns:p14="http://schemas.microsoft.com/office/powerpoint/2010/main" val="4264977537"/>
-      </p:ext>
-    </p:extLst>
-  </p:cSld>
-  <p:clrMapOvr>
-    <a:masterClrMapping/>
-  </p:clrMapOvr>
-  <mc:AlternateContent xmlns:mc="http://schemas.openxmlformats.org/markup-compatibility/2006" xmlns:p14="http://schemas.microsoft.com/office/powerpoint/2010/main">
-    <mc:Choice Requires="p14">
-      <p:transition spd="med" p14:dur="700">
-        <p:fade/>
-      </p:transition>
-    </mc:Choice>
-    <mc:Fallback xmlns="">
-      <p:transition spd="med">
-        <p:fade/>
-      </p:transition>
-    </mc:Fallback>
-  </mc:AlternateContent>
-</p:sld>
-</file>
-
-<file path=ppt/slides/slide8.xml><?xml version="1.0" encoding="utf-8"?>
-<p:sld xmlns:a="http://schemas.openxmlformats.org/drawingml/2006/main" xmlns:r="http://schemas.openxmlformats.org/officeDocument/2006/relationships" xmlns:p="http://schemas.openxmlformats.org/presentationml/2006/main">
-  <p:cSld>
-    <p:spTree>
-      <p:nvGrpSpPr>
-        <p:cNvPr id="1" name=""/>
-        <p:cNvGrpSpPr/>
-        <p:nvPr/>
-      </p:nvGrpSpPr>
-      <p:grpSpPr>
-        <a:xfrm>
-          <a:off x="0" y="0"/>
-          <a:ext cx="0" cy="0"/>
-          <a:chOff x="0" y="0"/>
-          <a:chExt cx="0" cy="0"/>
-        </a:xfrm>
-      </p:grpSpPr>
-    </p:spTree>
-    <p:extLst>
-      <p:ext uri="{BB962C8B-B14F-4D97-AF65-F5344CB8AC3E}">
-        <p14:creationId xmlns:p14="http://schemas.microsoft.com/office/powerpoint/2010/main" val="1405850135"/>
       </p:ext>
     </p:extLst>
   </p:cSld>
@@ -12221,73 +13054,10 @@
           <a:chExt cx="0" cy="0"/>
         </a:xfrm>
       </p:grpSpPr>
-      <p:sp>
-        <p:nvSpPr>
-          <p:cNvPr id="2" name="Titel 1"/>
-          <p:cNvSpPr>
-            <a:spLocks noGrp="1"/>
-          </p:cNvSpPr>
-          <p:nvPr>
-            <p:ph type="title"/>
-          </p:nvPr>
-        </p:nvSpPr>
-        <p:spPr/>
-        <p:txBody>
-          <a:bodyPr rtlCol="0"/>
-          <a:lstStyle/>
-          <a:p>
-            <a:pPr rtl="0"/>
-            <a:r>
-              <a:rPr lang="de-DE" dirty="0"/>
-              <a:t>Folientitel hinzufügen – 4</a:t>
-            </a:r>
-          </a:p>
-        </p:txBody>
-      </p:sp>
-      <p:sp>
-        <p:nvSpPr>
-          <p:cNvPr id="4" name="Textplatzhalter 3"/>
-          <p:cNvSpPr>
-            <a:spLocks noGrp="1"/>
-          </p:cNvSpPr>
-          <p:nvPr>
-            <p:ph type="body" sz="half" idx="2"/>
-          </p:nvPr>
-        </p:nvSpPr>
-        <p:spPr/>
-        <p:txBody>
-          <a:bodyPr rtlCol="0"/>
-          <a:lstStyle/>
-          <a:p>
-            <a:pPr rtl="0"/>
-            <a:endParaRPr lang="de-DE" dirty="0"/>
-          </a:p>
-        </p:txBody>
-      </p:sp>
-      <p:sp>
-        <p:nvSpPr>
-          <p:cNvPr id="3" name="Inhaltsplatzhalter 2"/>
-          <p:cNvSpPr>
-            <a:spLocks noGrp="1"/>
-          </p:cNvSpPr>
-          <p:nvPr>
-            <p:ph idx="1"/>
-          </p:nvPr>
-        </p:nvSpPr>
-        <p:spPr/>
-        <p:txBody>
-          <a:bodyPr rtlCol="0"/>
-          <a:lstStyle/>
-          <a:p>
-            <a:pPr rtl="0"/>
-            <a:endParaRPr lang="de-DE" dirty="0"/>
-          </a:p>
-        </p:txBody>
-      </p:sp>
     </p:spTree>
     <p:extLst>
       <p:ext uri="{BB962C8B-B14F-4D97-AF65-F5344CB8AC3E}">
-        <p14:creationId xmlns:p14="http://schemas.microsoft.com/office/powerpoint/2010/main" val="2319046984"/>
+        <p14:creationId xmlns:p14="http://schemas.microsoft.com/office/powerpoint/2010/main" val="1405850135"/>
       </p:ext>
     </p:extLst>
   </p:cSld>

--- a/Project proposal.pptx
+++ b/Project proposal.pptx
@@ -1094,28 +1094,17 @@
 </file>
 
 <file path=ppt/diagrams/colors1.xml><?xml version="1.0" encoding="utf-8"?>
-<dgm:colorsDef xmlns:dgm="http://schemas.openxmlformats.org/drawingml/2006/diagram" xmlns:a="http://schemas.openxmlformats.org/drawingml/2006/main" uniqueId="urn:microsoft.com/office/officeart/2005/8/colors/colorful3">
+<dgm:colorsDef xmlns:dgm="http://schemas.openxmlformats.org/drawingml/2006/diagram" xmlns:a="http://schemas.openxmlformats.org/drawingml/2006/main" uniqueId="urn:microsoft.com/office/officeart/2005/8/colors/accent1_3">
   <dgm:title val=""/>
   <dgm:desc val=""/>
   <dgm:catLst>
-    <dgm:cat type="colorful" pri="10300"/>
+    <dgm:cat type="accent1" pri="11300"/>
   </dgm:catLst>
   <dgm:styleLbl name="node0">
     <dgm:fillClrLst meth="repeat">
-      <a:schemeClr val="accent2"/>
-    </dgm:fillClrLst>
-    <dgm:linClrLst meth="repeat">
-      <a:schemeClr val="lt1"/>
-    </dgm:linClrLst>
-    <dgm:effectClrLst/>
-    <dgm:txLinClrLst/>
-    <dgm:txFillClrLst/>
-    <dgm:txEffectClrLst/>
-  </dgm:styleLbl>
-  <dgm:styleLbl name="node1">
-    <dgm:fillClrLst>
-      <a:schemeClr val="accent3"/>
-      <a:schemeClr val="accent4"/>
+      <a:schemeClr val="accent1">
+        <a:shade val="80000"/>
+      </a:schemeClr>
     </dgm:fillClrLst>
     <dgm:linClrLst meth="repeat">
       <a:schemeClr val="lt1"/>
@@ -1127,12 +1116,37 @@
   </dgm:styleLbl>
   <dgm:styleLbl name="alignNode1">
     <dgm:fillClrLst>
-      <a:schemeClr val="accent3"/>
-      <a:schemeClr val="accent4"/>
+      <a:schemeClr val="accent1">
+        <a:shade val="80000"/>
+      </a:schemeClr>
+      <a:schemeClr val="accent1">
+        <a:tint val="70000"/>
+      </a:schemeClr>
     </dgm:fillClrLst>
     <dgm:linClrLst>
-      <a:schemeClr val="accent3"/>
-      <a:schemeClr val="accent4"/>
+      <a:schemeClr val="accent1">
+        <a:shade val="80000"/>
+      </a:schemeClr>
+      <a:schemeClr val="accent1">
+        <a:tint val="70000"/>
+      </a:schemeClr>
+    </dgm:linClrLst>
+    <dgm:effectClrLst/>
+    <dgm:txLinClrLst/>
+    <dgm:txFillClrLst/>
+    <dgm:txEffectClrLst/>
+  </dgm:styleLbl>
+  <dgm:styleLbl name="node1">
+    <dgm:fillClrLst>
+      <a:schemeClr val="accent1">
+        <a:shade val="80000"/>
+      </a:schemeClr>
+      <a:schemeClr val="accent1">
+        <a:tint val="70000"/>
+      </a:schemeClr>
+    </dgm:fillClrLst>
+    <dgm:linClrLst meth="repeat">
+      <a:schemeClr val="lt1"/>
     </dgm:linClrLst>
     <dgm:effectClrLst/>
     <dgm:txLinClrLst/>
@@ -1141,8 +1155,12 @@
   </dgm:styleLbl>
   <dgm:styleLbl name="lnNode1">
     <dgm:fillClrLst>
-      <a:schemeClr val="accent3"/>
-      <a:schemeClr val="accent4"/>
+      <a:schemeClr val="accent1">
+        <a:shade val="80000"/>
+      </a:schemeClr>
+      <a:schemeClr val="accent1">
+        <a:tint val="70000"/>
+      </a:schemeClr>
     </dgm:fillClrLst>
     <dgm:linClrLst meth="repeat">
       <a:schemeClr val="lt1"/>
@@ -1154,10 +1172,12 @@
   </dgm:styleLbl>
   <dgm:styleLbl name="vennNode1">
     <dgm:fillClrLst>
-      <a:schemeClr val="accent3">
+      <a:schemeClr val="accent1">
+        <a:shade val="80000"/>
         <a:alpha val="50000"/>
       </a:schemeClr>
-      <a:schemeClr val="accent4">
+      <a:schemeClr val="accent1">
+        <a:tint val="70000"/>
         <a:alpha val="50000"/>
       </a:schemeClr>
     </dgm:fillClrLst>
@@ -1171,7 +1191,9 @@
   </dgm:styleLbl>
   <dgm:styleLbl name="node2">
     <dgm:fillClrLst>
-      <a:schemeClr val="accent4"/>
+      <a:schemeClr val="accent1">
+        <a:tint val="99000"/>
+      </a:schemeClr>
     </dgm:fillClrLst>
     <dgm:linClrLst meth="repeat">
       <a:schemeClr val="lt1"/>
@@ -1183,7 +1205,9 @@
   </dgm:styleLbl>
   <dgm:styleLbl name="node3">
     <dgm:fillClrLst>
-      <a:schemeClr val="accent5"/>
+      <a:schemeClr val="accent1">
+        <a:tint val="80000"/>
+      </a:schemeClr>
     </dgm:fillClrLst>
     <dgm:linClrLst meth="repeat">
       <a:schemeClr val="lt1"/>
@@ -1195,7 +1219,9 @@
   </dgm:styleLbl>
   <dgm:styleLbl name="node4">
     <dgm:fillClrLst>
-      <a:schemeClr val="accent6"/>
+      <a:schemeClr val="accent1">
+        <a:tint val="70000"/>
+      </a:schemeClr>
     </dgm:fillClrLst>
     <dgm:linClrLst meth="repeat">
       <a:schemeClr val="lt1"/>
@@ -1207,11 +1233,11 @@
   </dgm:styleLbl>
   <dgm:styleLbl name="fgImgPlace1">
     <dgm:fillClrLst>
-      <a:schemeClr val="accent3">
+      <a:schemeClr val="accent1">
         <a:tint val="50000"/>
       </a:schemeClr>
-      <a:schemeClr val="accent4">
-        <a:tint val="50000"/>
+      <a:schemeClr val="accent1">
+        <a:tint val="20000"/>
       </a:schemeClr>
     </dgm:fillClrLst>
     <dgm:linClrLst meth="repeat">
@@ -1226,10 +1252,10 @@
   </dgm:styleLbl>
   <dgm:styleLbl name="alignImgPlace1">
     <dgm:fillClrLst>
-      <a:schemeClr val="accent3">
+      <a:schemeClr val="accent1">
         <a:tint val="50000"/>
       </a:schemeClr>
-      <a:schemeClr val="accent4">
+      <a:schemeClr val="accent1">
         <a:tint val="20000"/>
       </a:schemeClr>
     </dgm:fillClrLst>
@@ -1245,10 +1271,10 @@
   </dgm:styleLbl>
   <dgm:styleLbl name="bgImgPlace1">
     <dgm:fillClrLst>
-      <a:schemeClr val="accent3">
+      <a:schemeClr val="accent1">
         <a:tint val="50000"/>
       </a:schemeClr>
-      <a:schemeClr val="accent4">
+      <a:schemeClr val="accent1">
         <a:tint val="20000"/>
       </a:schemeClr>
     </dgm:fillClrLst>
@@ -1264,11 +1290,20 @@
   </dgm:styleLbl>
   <dgm:styleLbl name="sibTrans2D1">
     <dgm:fillClrLst>
-      <a:schemeClr val="accent3"/>
-      <a:schemeClr val="accent4"/>
+      <a:schemeClr val="accent1">
+        <a:shade val="90000"/>
+      </a:schemeClr>
+      <a:schemeClr val="accent1">
+        <a:tint val="70000"/>
+      </a:schemeClr>
     </dgm:fillClrLst>
-    <dgm:linClrLst meth="repeat">
-      <a:schemeClr val="lt1"/>
+    <dgm:linClrLst>
+      <a:schemeClr val="accent1">
+        <a:shade val="90000"/>
+      </a:schemeClr>
+      <a:schemeClr val="accent1">
+        <a:tint val="70000"/>
+      </a:schemeClr>
     </dgm:linClrLst>
     <dgm:effectClrLst/>
     <dgm:txLinClrLst/>
@@ -1277,11 +1312,20 @@
   </dgm:styleLbl>
   <dgm:styleLbl name="fgSibTrans2D1">
     <dgm:fillClrLst>
-      <a:schemeClr val="accent3"/>
-      <a:schemeClr val="accent4"/>
+      <a:schemeClr val="accent1">
+        <a:shade val="90000"/>
+      </a:schemeClr>
+      <a:schemeClr val="accent1">
+        <a:tint val="70000"/>
+      </a:schemeClr>
     </dgm:fillClrLst>
-    <dgm:linClrLst meth="repeat">
-      <a:schemeClr val="lt1"/>
+    <dgm:linClrLst>
+      <a:schemeClr val="accent1">
+        <a:shade val="90000"/>
+      </a:schemeClr>
+      <a:schemeClr val="accent1">
+        <a:tint val="70000"/>
+      </a:schemeClr>
     </dgm:linClrLst>
     <dgm:effectClrLst/>
     <dgm:txLinClrLst/>
@@ -1292,11 +1336,20 @@
   </dgm:styleLbl>
   <dgm:styleLbl name="bgSibTrans2D1">
     <dgm:fillClrLst>
-      <a:schemeClr val="accent3"/>
-      <a:schemeClr val="accent4"/>
+      <a:schemeClr val="accent1">
+        <a:shade val="90000"/>
+      </a:schemeClr>
+      <a:schemeClr val="accent1">
+        <a:tint val="70000"/>
+      </a:schemeClr>
     </dgm:fillClrLst>
-    <dgm:linClrLst meth="repeat">
-      <a:schemeClr val="lt1"/>
+    <dgm:linClrLst>
+      <a:schemeClr val="accent1">
+        <a:shade val="90000"/>
+      </a:schemeClr>
+      <a:schemeClr val="accent1">
+        <a:tint val="70000"/>
+      </a:schemeClr>
     </dgm:linClrLst>
     <dgm:effectClrLst/>
     <dgm:txLinClrLst/>
@@ -1306,10 +1359,21 @@
     <dgm:txEffectClrLst/>
   </dgm:styleLbl>
   <dgm:styleLbl name="sibTrans1D1">
-    <dgm:fillClrLst/>
+    <dgm:fillClrLst>
+      <a:schemeClr val="accent1">
+        <a:shade val="90000"/>
+      </a:schemeClr>
+      <a:schemeClr val="accent1">
+        <a:tint val="70000"/>
+      </a:schemeClr>
+    </dgm:fillClrLst>
     <dgm:linClrLst>
-      <a:schemeClr val="accent3"/>
-      <a:schemeClr val="accent4"/>
+      <a:schemeClr val="accent1">
+        <a:shade val="90000"/>
+      </a:schemeClr>
+      <a:schemeClr val="accent1">
+        <a:tint val="70000"/>
+      </a:schemeClr>
     </dgm:linClrLst>
     <dgm:effectClrLst/>
     <dgm:txLinClrLst/>
@@ -1320,12 +1384,10 @@
   </dgm:styleLbl>
   <dgm:styleLbl name="callout">
     <dgm:fillClrLst meth="repeat">
-      <a:schemeClr val="accent3"/>
+      <a:schemeClr val="accent1"/>
     </dgm:fillClrLst>
     <dgm:linClrLst meth="repeat">
-      <a:schemeClr val="accent3">
-        <a:tint val="50000"/>
-      </a:schemeClr>
+      <a:schemeClr val="accent1"/>
     </dgm:linClrLst>
     <dgm:effectClrLst/>
     <dgm:txLinClrLst/>
@@ -1336,12 +1398,12 @@
   </dgm:styleLbl>
   <dgm:styleLbl name="asst0">
     <dgm:fillClrLst meth="repeat">
-      <a:schemeClr val="accent3"/>
+      <a:schemeClr val="accent1">
+        <a:shade val="80000"/>
+      </a:schemeClr>
     </dgm:fillClrLst>
     <dgm:linClrLst meth="repeat">
-      <a:schemeClr val="lt1">
-        <a:shade val="80000"/>
-      </a:schemeClr>
+      <a:schemeClr val="lt1"/>
     </dgm:linClrLst>
     <dgm:effectClrLst/>
     <dgm:txLinClrLst/>
@@ -1350,12 +1412,12 @@
   </dgm:styleLbl>
   <dgm:styleLbl name="asst1">
     <dgm:fillClrLst meth="repeat">
-      <a:schemeClr val="accent4"/>
+      <a:schemeClr val="accent1">
+        <a:shade val="80000"/>
+      </a:schemeClr>
     </dgm:fillClrLst>
     <dgm:linClrLst meth="repeat">
-      <a:schemeClr val="lt1">
-        <a:shade val="80000"/>
-      </a:schemeClr>
+      <a:schemeClr val="lt1"/>
     </dgm:linClrLst>
     <dgm:effectClrLst/>
     <dgm:txLinClrLst/>
@@ -1364,7 +1426,9 @@
   </dgm:styleLbl>
   <dgm:styleLbl name="asst2">
     <dgm:fillClrLst>
-      <a:schemeClr val="accent5"/>
+      <a:schemeClr val="accent1">
+        <a:tint val="99000"/>
+      </a:schemeClr>
     </dgm:fillClrLst>
     <dgm:linClrLst meth="repeat">
       <a:schemeClr val="lt1"/>
@@ -1376,7 +1440,9 @@
   </dgm:styleLbl>
   <dgm:styleLbl name="asst3">
     <dgm:fillClrLst>
-      <a:schemeClr val="accent6"/>
+      <a:schemeClr val="accent1">
+        <a:tint val="80000"/>
+      </a:schemeClr>
     </dgm:fillClrLst>
     <dgm:linClrLst meth="repeat">
       <a:schemeClr val="lt1"/>
@@ -1388,7 +1454,9 @@
   </dgm:styleLbl>
   <dgm:styleLbl name="asst4">
     <dgm:fillClrLst>
-      <a:schemeClr val="accent1"/>
+      <a:schemeClr val="accent1">
+        <a:tint val="70000"/>
+      </a:schemeClr>
     </dgm:fillClrLst>
     <dgm:linClrLst meth="repeat">
       <a:schemeClr val="lt1"/>
@@ -1400,10 +1468,14 @@
   </dgm:styleLbl>
   <dgm:styleLbl name="parChTrans2D1">
     <dgm:fillClrLst meth="repeat">
-      <a:schemeClr val="accent2"/>
+      <a:schemeClr val="accent1">
+        <a:tint val="60000"/>
+      </a:schemeClr>
     </dgm:fillClrLst>
     <dgm:linClrLst meth="repeat">
-      <a:schemeClr val="lt1"/>
+      <a:schemeClr val="accent1">
+        <a:tint val="60000"/>
+      </a:schemeClr>
     </dgm:linClrLst>
     <dgm:effectClrLst/>
     <dgm:txLinClrLst/>
@@ -1414,10 +1486,14 @@
   </dgm:styleLbl>
   <dgm:styleLbl name="parChTrans2D2">
     <dgm:fillClrLst meth="repeat">
-      <a:schemeClr val="accent3"/>
+      <a:schemeClr val="accent1">
+        <a:tint val="90000"/>
+      </a:schemeClr>
     </dgm:fillClrLst>
     <dgm:linClrLst meth="repeat">
-      <a:schemeClr val="lt1"/>
+      <a:schemeClr val="accent1">
+        <a:tint val="90000"/>
+      </a:schemeClr>
     </dgm:linClrLst>
     <dgm:effectClrLst/>
     <dgm:txLinClrLst/>
@@ -1426,10 +1502,14 @@
   </dgm:styleLbl>
   <dgm:styleLbl name="parChTrans2D3">
     <dgm:fillClrLst meth="repeat">
-      <a:schemeClr val="accent4"/>
+      <a:schemeClr val="accent1">
+        <a:tint val="70000"/>
+      </a:schemeClr>
     </dgm:fillClrLst>
     <dgm:linClrLst meth="repeat">
-      <a:schemeClr val="lt1"/>
+      <a:schemeClr val="accent1">
+        <a:tint val="70000"/>
+      </a:schemeClr>
     </dgm:linClrLst>
     <dgm:effectClrLst/>
     <dgm:txLinClrLst/>
@@ -1438,10 +1518,14 @@
   </dgm:styleLbl>
   <dgm:styleLbl name="parChTrans2D4">
     <dgm:fillClrLst meth="repeat">
-      <a:schemeClr val="accent5"/>
+      <a:schemeClr val="accent1">
+        <a:tint val="50000"/>
+      </a:schemeClr>
     </dgm:fillClrLst>
     <dgm:linClrLst meth="repeat">
-      <a:schemeClr val="lt1"/>
+      <a:schemeClr val="accent1">
+        <a:tint val="50000"/>
+      </a:schemeClr>
     </dgm:linClrLst>
     <dgm:effectClrLst/>
     <dgm:txLinClrLst/>
@@ -1452,10 +1536,14 @@
   </dgm:styleLbl>
   <dgm:styleLbl name="parChTrans1D1">
     <dgm:fillClrLst meth="repeat">
-      <a:schemeClr val="accent3"/>
+      <a:schemeClr val="accent1">
+        <a:shade val="80000"/>
+      </a:schemeClr>
     </dgm:fillClrLst>
     <dgm:linClrLst meth="repeat">
-      <a:schemeClr val="accent3"/>
+      <a:schemeClr val="accent1">
+        <a:shade val="80000"/>
+      </a:schemeClr>
     </dgm:linClrLst>
     <dgm:effectClrLst/>
     <dgm:txLinClrLst/>
@@ -1466,12 +1554,14 @@
   </dgm:styleLbl>
   <dgm:styleLbl name="parChTrans1D2">
     <dgm:fillClrLst meth="repeat">
-      <a:schemeClr val="accent2">
-        <a:tint val="90000"/>
+      <a:schemeClr val="accent1">
+        <a:tint val="99000"/>
       </a:schemeClr>
     </dgm:fillClrLst>
     <dgm:linClrLst meth="repeat">
-      <a:schemeClr val="accent4"/>
+      <a:schemeClr val="accent1">
+        <a:tint val="99000"/>
+      </a:schemeClr>
     </dgm:linClrLst>
     <dgm:effectClrLst/>
     <dgm:txLinClrLst/>
@@ -1482,12 +1572,14 @@
   </dgm:styleLbl>
   <dgm:styleLbl name="parChTrans1D3">
     <dgm:fillClrLst meth="repeat">
-      <a:schemeClr val="accent2">
-        <a:tint val="70000"/>
+      <a:schemeClr val="accent1">
+        <a:tint val="80000"/>
       </a:schemeClr>
     </dgm:fillClrLst>
     <dgm:linClrLst meth="repeat">
-      <a:schemeClr val="accent5"/>
+      <a:schemeClr val="accent1">
+        <a:tint val="80000"/>
+      </a:schemeClr>
     </dgm:linClrLst>
     <dgm:effectClrLst/>
     <dgm:txLinClrLst/>
@@ -1498,12 +1590,14 @@
   </dgm:styleLbl>
   <dgm:styleLbl name="parChTrans1D4">
     <dgm:fillClrLst meth="repeat">
-      <a:schemeClr val="accent6">
-        <a:tint val="50000"/>
+      <a:schemeClr val="accent1">
+        <a:tint val="70000"/>
       </a:schemeClr>
     </dgm:fillClrLst>
     <dgm:linClrLst meth="repeat">
-      <a:schemeClr val="accent6"/>
+      <a:schemeClr val="accent1">
+        <a:tint val="70000"/>
+      </a:schemeClr>
     </dgm:linClrLst>
     <dgm:effectClrLst/>
     <dgm:txLinClrLst/>
@@ -1519,8 +1613,12 @@
       </a:schemeClr>
     </dgm:fillClrLst>
     <dgm:linClrLst>
-      <a:schemeClr val="accent3"/>
-      <a:schemeClr val="accent4"/>
+      <a:schemeClr val="accent1">
+        <a:shade val="80000"/>
+      </a:schemeClr>
+      <a:schemeClr val="accent1">
+        <a:tint val="70000"/>
+      </a:schemeClr>
     </dgm:linClrLst>
     <dgm:effectClrLst/>
     <dgm:txLinClrLst/>
@@ -1536,8 +1634,12 @@
       </a:schemeClr>
     </dgm:fillClrLst>
     <dgm:linClrLst>
-      <a:schemeClr val="accent3"/>
-      <a:schemeClr val="accent4"/>
+      <a:schemeClr val="accent1">
+        <a:shade val="80000"/>
+      </a:schemeClr>
+      <a:schemeClr val="accent1">
+        <a:tint val="70000"/>
+      </a:schemeClr>
     </dgm:linClrLst>
     <dgm:effectClrLst/>
     <dgm:txLinClrLst/>
@@ -1553,8 +1655,12 @@
       </a:schemeClr>
     </dgm:fillClrLst>
     <dgm:linClrLst>
-      <a:schemeClr val="accent3"/>
-      <a:schemeClr val="accent4"/>
+      <a:schemeClr val="accent1">
+        <a:shade val="80000"/>
+      </a:schemeClr>
+      <a:schemeClr val="accent1">
+        <a:tint val="70000"/>
+      </a:schemeClr>
     </dgm:linClrLst>
     <dgm:effectClrLst/>
     <dgm:txLinClrLst/>
@@ -1570,7 +1676,7 @@
       </a:schemeClr>
     </dgm:fillClrLst>
     <dgm:linClrLst meth="repeat">
-      <a:schemeClr val="accent2"/>
+      <a:schemeClr val="accent1"/>
     </dgm:linClrLst>
     <dgm:effectClrLst/>
     <dgm:txLinClrLst/>
@@ -1586,8 +1692,12 @@
       </a:schemeClr>
     </dgm:fillClrLst>
     <dgm:linClrLst>
-      <a:schemeClr val="accent3"/>
-      <a:schemeClr val="accent4"/>
+      <a:schemeClr val="accent1">
+        <a:shade val="80000"/>
+      </a:schemeClr>
+      <a:schemeClr val="accent1">
+        <a:tint val="70000"/>
+      </a:schemeClr>
     </dgm:linClrLst>
     <dgm:effectClrLst/>
     <dgm:txLinClrLst/>
@@ -1601,8 +1711,12 @@
       <a:schemeClr val="lt1"/>
     </dgm:fillClrLst>
     <dgm:linClrLst>
-      <a:schemeClr val="accent3"/>
-      <a:schemeClr val="accent4"/>
+      <a:schemeClr val="accent1">
+        <a:shade val="80000"/>
+      </a:schemeClr>
+      <a:schemeClr val="accent1">
+        <a:tint val="70000"/>
+      </a:schemeClr>
     </dgm:linClrLst>
     <dgm:effectClrLst/>
     <dgm:txLinClrLst/>
@@ -1615,9 +1729,8 @@
     <dgm:fillClrLst meth="repeat">
       <a:schemeClr val="lt1"/>
     </dgm:fillClrLst>
-    <dgm:linClrLst>
-      <a:schemeClr val="accent3"/>
-      <a:schemeClr val="accent4"/>
+    <dgm:linClrLst meth="repeat">
+      <a:schemeClr val="accent1"/>
     </dgm:linClrLst>
     <dgm:effectClrLst/>
     <dgm:txLinClrLst/>
@@ -1630,9 +1743,8 @@
     <dgm:fillClrLst meth="repeat">
       <a:schemeClr val="lt1"/>
     </dgm:fillClrLst>
-    <dgm:linClrLst>
-      <a:schemeClr val="accent3"/>
-      <a:schemeClr val="accent4"/>
+    <dgm:linClrLst meth="repeat">
+      <a:schemeClr val="accent1"/>
     </dgm:linClrLst>
     <dgm:effectClrLst/>
     <dgm:txLinClrLst/>
@@ -1642,24 +1754,16 @@
     <dgm:txEffectClrLst/>
   </dgm:styleLbl>
   <dgm:styleLbl name="fgAccFollowNode1">
-    <dgm:fillClrLst>
-      <a:schemeClr val="accent3">
+    <dgm:fillClrLst meth="repeat">
+      <a:schemeClr val="accent1">
+        <a:alpha val="90000"/>
         <a:tint val="40000"/>
-        <a:alpha val="90000"/>
-      </a:schemeClr>
-      <a:schemeClr val="accent4">
-        <a:tint val="40000"/>
-        <a:alpha val="90000"/>
       </a:schemeClr>
     </dgm:fillClrLst>
-    <dgm:linClrLst>
-      <a:schemeClr val="accent3">
+    <dgm:linClrLst meth="repeat">
+      <a:schemeClr val="accent1">
+        <a:alpha val="90000"/>
         <a:tint val="40000"/>
-        <a:alpha val="90000"/>
-      </a:schemeClr>
-      <a:schemeClr val="accent4">
-        <a:tint val="40000"/>
-        <a:alpha val="90000"/>
       </a:schemeClr>
     </dgm:linClrLst>
     <dgm:effectClrLst/>
@@ -1670,24 +1774,16 @@
     <dgm:txEffectClrLst/>
   </dgm:styleLbl>
   <dgm:styleLbl name="alignAccFollowNode1">
-    <dgm:fillClrLst>
-      <a:schemeClr val="accent3">
+    <dgm:fillClrLst meth="repeat">
+      <a:schemeClr val="accent1">
+        <a:alpha val="90000"/>
         <a:tint val="40000"/>
-        <a:alpha val="90000"/>
-      </a:schemeClr>
-      <a:schemeClr val="accent4">
-        <a:tint val="40000"/>
-        <a:alpha val="90000"/>
       </a:schemeClr>
     </dgm:fillClrLst>
-    <dgm:linClrLst>
-      <a:schemeClr val="accent3">
+    <dgm:linClrLst meth="repeat">
+      <a:schemeClr val="accent1">
+        <a:alpha val="90000"/>
         <a:tint val="40000"/>
-        <a:alpha val="90000"/>
-      </a:schemeClr>
-      <a:schemeClr val="accent4">
-        <a:tint val="40000"/>
-        <a:alpha val="90000"/>
       </a:schemeClr>
     </dgm:linClrLst>
     <dgm:effectClrLst/>
@@ -1698,25 +1794,14 @@
     <dgm:txEffectClrLst/>
   </dgm:styleLbl>
   <dgm:styleLbl name="bgAccFollowNode1">
-    <dgm:fillClrLst>
-      <a:schemeClr val="accent3">
+    <dgm:fillClrLst meth="repeat">
+      <a:schemeClr val="accent1">
+        <a:alpha val="90000"/>
         <a:tint val="40000"/>
-        <a:alpha val="90000"/>
-      </a:schemeClr>
-      <a:schemeClr val="accent4">
-        <a:tint val="40000"/>
-        <a:alpha val="90000"/>
       </a:schemeClr>
     </dgm:fillClrLst>
-    <dgm:linClrLst>
-      <a:schemeClr val="accent3">
-        <a:tint val="40000"/>
-        <a:alpha val="90000"/>
-      </a:schemeClr>
-      <a:schemeClr val="accent4">
-        <a:tint val="40000"/>
-        <a:alpha val="90000"/>
-      </a:schemeClr>
+    <dgm:linClrLst meth="repeat">
+      <a:schemeClr val="lt1"/>
     </dgm:linClrLst>
     <dgm:effectClrLst/>
     <dgm:txLinClrLst/>
@@ -1731,8 +1816,10 @@
         <a:alpha val="90000"/>
       </a:schemeClr>
     </dgm:fillClrLst>
-    <dgm:linClrLst>
-      <a:schemeClr val="accent2"/>
+    <dgm:linClrLst meth="repeat">
+      <a:schemeClr val="accent1">
+        <a:shade val="80000"/>
+      </a:schemeClr>
     </dgm:linClrLst>
     <dgm:effectClrLst/>
     <dgm:txLinClrLst/>
@@ -1747,8 +1834,10 @@
         <a:alpha val="90000"/>
       </a:schemeClr>
     </dgm:fillClrLst>
-    <dgm:linClrLst>
-      <a:schemeClr val="accent4"/>
+    <dgm:linClrLst meth="repeat">
+      <a:schemeClr val="accent1">
+        <a:tint val="99000"/>
+      </a:schemeClr>
     </dgm:linClrLst>
     <dgm:effectClrLst/>
     <dgm:txLinClrLst/>
@@ -1763,8 +1852,10 @@
         <a:alpha val="90000"/>
       </a:schemeClr>
     </dgm:fillClrLst>
-    <dgm:linClrLst>
-      <a:schemeClr val="accent5"/>
+    <dgm:linClrLst meth="repeat">
+      <a:schemeClr val="accent1">
+        <a:tint val="80000"/>
+      </a:schemeClr>
     </dgm:linClrLst>
     <dgm:effectClrLst/>
     <dgm:txLinClrLst/>
@@ -1779,8 +1870,10 @@
         <a:alpha val="90000"/>
       </a:schemeClr>
     </dgm:fillClrLst>
-    <dgm:linClrLst>
-      <a:schemeClr val="accent6"/>
+    <dgm:linClrLst meth="repeat">
+      <a:schemeClr val="accent1">
+        <a:tint val="70000"/>
+      </a:schemeClr>
     </dgm:linClrLst>
     <dgm:effectClrLst/>
     <dgm:txLinClrLst/>
@@ -1791,7 +1884,7 @@
   </dgm:styleLbl>
   <dgm:styleLbl name="bgShp">
     <dgm:fillClrLst meth="repeat">
-      <a:schemeClr val="accent3">
+      <a:schemeClr val="accent1">
         <a:tint val="40000"/>
       </a:schemeClr>
     </dgm:fillClrLst>
@@ -1807,7 +1900,7 @@
   </dgm:styleLbl>
   <dgm:styleLbl name="dkBgShp">
     <dgm:fillClrLst meth="repeat">
-      <a:schemeClr val="accent3">
+      <a:schemeClr val="accent1">
         <a:shade val="90000"/>
       </a:schemeClr>
     </dgm:fillClrLst>
@@ -1823,13 +1916,13 @@
   </dgm:styleLbl>
   <dgm:styleLbl name="trBgShp">
     <dgm:fillClrLst meth="repeat">
-      <a:schemeClr val="accent2">
+      <a:schemeClr val="accent1">
         <a:tint val="50000"/>
         <a:alpha val="40000"/>
       </a:schemeClr>
     </dgm:fillClrLst>
     <dgm:linClrLst meth="repeat">
-      <a:schemeClr val="accent3"/>
+      <a:schemeClr val="accent1"/>
     </dgm:linClrLst>
     <dgm:effectClrLst/>
     <dgm:txLinClrLst/>
@@ -1840,7 +1933,7 @@
   </dgm:styleLbl>
   <dgm:styleLbl name="fgShp">
     <dgm:fillClrLst meth="repeat">
-      <a:schemeClr val="accent3">
+      <a:schemeClr val="accent1">
         <a:tint val="40000"/>
       </a:schemeClr>
     </dgm:fillClrLst>
@@ -1879,7 +1972,7 @@
 <dgm:dataModel xmlns:dgm="http://schemas.openxmlformats.org/drawingml/2006/diagram" xmlns:a="http://schemas.openxmlformats.org/drawingml/2006/main">
   <dgm:ptLst>
     <dgm:pt modelId="{CD7942A0-B7D2-4B14-8FEA-55FC702F5BE7}" type="doc">
-      <dgm:prSet loTypeId="urn:microsoft.com/office/officeart/2005/8/layout/vProcess5" loCatId="process" qsTypeId="urn:microsoft.com/office/officeart/2005/8/quickstyle/simple5" qsCatId="simple" csTypeId="urn:microsoft.com/office/officeart/2005/8/colors/colorful3" csCatId="colorful" phldr="1"/>
+      <dgm:prSet loTypeId="urn:microsoft.com/office/officeart/2005/8/layout/vProcess5" loCatId="process" qsTypeId="urn:microsoft.com/office/officeart/2005/8/quickstyle/simple5" qsCatId="simple" csTypeId="urn:microsoft.com/office/officeart/2005/8/colors/accent1_3" csCatId="accent1" phldr="1"/>
       <dgm:spPr/>
       <dgm:t>
         <a:bodyPr rtlCol="0"/>
@@ -1899,34 +1992,42 @@
         <a:p>
           <a:pPr rtl="0"/>
           <a:r>
-            <a:rPr lang="de-DE" b="1" dirty="0" err="1"/>
+            <a:rPr lang="de-DE" b="0" dirty="0" err="1"/>
             <a:t>Normalization</a:t>
           </a:r>
           <a:r>
-            <a:rPr lang="de-DE" b="1" dirty="0"/>
+            <a:rPr lang="de-DE" b="0" dirty="0"/>
+            <a:t> and clean </a:t>
+          </a:r>
+          <a:r>
+            <a:rPr lang="de-DE" b="0" dirty="0" err="1"/>
+            <a:t>up</a:t>
+          </a:r>
+          <a:r>
+            <a:rPr lang="de-DE" b="0" dirty="0"/>
             <a:t> </a:t>
           </a:r>
           <a:r>
-            <a:rPr lang="de-DE" b="1" dirty="0" err="1"/>
+            <a:rPr lang="de-DE" b="0" dirty="0" err="1"/>
             <a:t>of</a:t>
           </a:r>
           <a:r>
-            <a:rPr lang="de-DE" b="1" dirty="0"/>
+            <a:rPr lang="de-DE" b="0" dirty="0"/>
             <a:t> </a:t>
           </a:r>
           <a:r>
-            <a:rPr lang="de-DE" b="1" dirty="0" err="1"/>
+            <a:rPr lang="de-DE" b="0" dirty="0" err="1"/>
             <a:t>the</a:t>
           </a:r>
           <a:r>
-            <a:rPr lang="de-DE" b="1" dirty="0"/>
+            <a:rPr lang="de-DE" b="0" dirty="0"/>
             <a:t> </a:t>
           </a:r>
           <a:r>
-            <a:rPr lang="de-DE" b="1" dirty="0" err="1"/>
+            <a:rPr lang="de-DE" b="0" dirty="0" err="1"/>
             <a:t>data</a:t>
           </a:r>
-          <a:endParaRPr lang="de-DE" noProof="0" dirty="0"/>
+          <a:endParaRPr lang="de-DE" b="0" noProof="0" dirty="0"/>
         </a:p>
       </dgm:t>
       <dgm:extLst>
@@ -1972,14 +2073,14 @@
             <a:t>Identification of </a:t>
           </a:r>
           <a:r>
-            <a:rPr lang="en-US" b="1" dirty="0" err="1"/>
+            <a:rPr lang="en-US" b="0" dirty="0" err="1"/>
             <a:t>absolut</a:t>
           </a:r>
           <a:r>
-            <a:rPr lang="en-US" b="1" dirty="0"/>
-            <a:t> and local maxima </a:t>
+            <a:rPr lang="en-US" b="0" dirty="0"/>
+            <a:t> and local maxima (shift?)</a:t>
           </a:r>
-          <a:endParaRPr lang="de-DE" noProof="0" dirty="0"/>
+          <a:endParaRPr lang="de-DE" b="0" noProof="0" dirty="0"/>
         </a:p>
       </dgm:t>
     </dgm:pt>
@@ -2016,18 +2117,10 @@
         <a:p>
           <a:pPr rtl="0"/>
           <a:r>
-            <a:rPr lang="en-US" dirty="0"/>
-            <a:t>Definition of </a:t>
+            <a:rPr lang="en-US" b="0" dirty="0"/>
+            <a:t>Definition of selection criteria </a:t>
           </a:r>
-          <a:r>
-            <a:rPr lang="en-US" b="1" dirty="0"/>
-            <a:t>selection criteria</a:t>
-          </a:r>
-          <a:r>
-            <a:rPr lang="en-US" dirty="0"/>
-            <a:t> </a:t>
-          </a:r>
-          <a:endParaRPr lang="de-DE" noProof="0" dirty="0"/>
+          <a:endParaRPr lang="de-DE" b="0" noProof="0" dirty="0"/>
         </a:p>
       </dgm:t>
       <dgm:extLst>
@@ -2070,7 +2163,7 @@
           <a:pPr rtl="0"/>
           <a:r>
             <a:rPr lang="en-US" dirty="0"/>
-            <a:t>Application of the defined criteria </a:t>
+            <a:t>Application of the defined criteria</a:t>
           </a:r>
           <a:endParaRPr lang="de-DE" dirty="0"/>
         </a:p>
@@ -2098,6 +2191,44 @@
         </a:p>
       </dgm:t>
     </dgm:pt>
+    <dgm:pt modelId="{C1BD2C1C-803D-4A8D-B7DC-E6226CBCA98D}">
+      <dgm:prSet/>
+      <dgm:spPr/>
+      <dgm:t>
+        <a:bodyPr/>
+        <a:lstStyle/>
+        <a:p>
+          <a:pPr rtl="0"/>
+          <a:r>
+            <a:rPr lang="en-US" dirty="0"/>
+            <a:t>Further analysis and evaluation </a:t>
+          </a:r>
+          <a:endParaRPr lang="de-DE" dirty="0"/>
+        </a:p>
+      </dgm:t>
+    </dgm:pt>
+    <dgm:pt modelId="{56494F05-FCF5-49A7-92BE-8AC097C42401}" type="parTrans" cxnId="{270EAAFB-3410-4ABD-B3D7-A8615733786E}">
+      <dgm:prSet/>
+      <dgm:spPr/>
+      <dgm:t>
+        <a:bodyPr/>
+        <a:lstStyle/>
+        <a:p>
+          <a:endParaRPr lang="de-DE"/>
+        </a:p>
+      </dgm:t>
+    </dgm:pt>
+    <dgm:pt modelId="{7C6BD232-B3F7-4F66-A751-E824931C4312}" type="sibTrans" cxnId="{270EAAFB-3410-4ABD-B3D7-A8615733786E}">
+      <dgm:prSet/>
+      <dgm:spPr/>
+      <dgm:t>
+        <a:bodyPr/>
+        <a:lstStyle/>
+        <a:p>
+          <a:endParaRPr lang="de-DE"/>
+        </a:p>
+      </dgm:t>
+    </dgm:pt>
     <dgm:pt modelId="{1D84D8B6-AB32-4491-B5D2-EFE3D7668B88}" type="pres">
       <dgm:prSet presAssocID="{CD7942A0-B7D2-4B14-8FEA-55FC702F5BE7}" presName="outerComposite" presStyleCnt="0">
         <dgm:presLayoutVars>
@@ -2114,88 +2245,112 @@
       </dgm:prSet>
       <dgm:spPr/>
     </dgm:pt>
-    <dgm:pt modelId="{A336877B-CE7A-4608-A2AB-F3C7EF765D46}" type="pres">
-      <dgm:prSet presAssocID="{CD7942A0-B7D2-4B14-8FEA-55FC702F5BE7}" presName="FourNodes_1" presStyleLbl="node1" presStyleIdx="0" presStyleCnt="4">
+    <dgm:pt modelId="{DE899389-9074-43C4-B40E-7289ADEAF9E8}" type="pres">
+      <dgm:prSet presAssocID="{CD7942A0-B7D2-4B14-8FEA-55FC702F5BE7}" presName="FiveNodes_1" presStyleLbl="node1" presStyleIdx="0" presStyleCnt="5">
         <dgm:presLayoutVars>
           <dgm:bulletEnabled val="1"/>
         </dgm:presLayoutVars>
       </dgm:prSet>
       <dgm:spPr/>
     </dgm:pt>
-    <dgm:pt modelId="{A98CCF53-4D9E-4C6E-B856-3ED0D3945856}" type="pres">
-      <dgm:prSet presAssocID="{CD7942A0-B7D2-4B14-8FEA-55FC702F5BE7}" presName="FourNodes_2" presStyleLbl="node1" presStyleIdx="1" presStyleCnt="4">
+    <dgm:pt modelId="{FE726961-1DC2-4CE8-B53D-CAE92D607FF7}" type="pres">
+      <dgm:prSet presAssocID="{CD7942A0-B7D2-4B14-8FEA-55FC702F5BE7}" presName="FiveNodes_2" presStyleLbl="node1" presStyleIdx="1" presStyleCnt="5">
         <dgm:presLayoutVars>
           <dgm:bulletEnabled val="1"/>
         </dgm:presLayoutVars>
       </dgm:prSet>
       <dgm:spPr/>
     </dgm:pt>
-    <dgm:pt modelId="{34EA1704-B4BE-454F-B656-F9E203ACE958}" type="pres">
-      <dgm:prSet presAssocID="{CD7942A0-B7D2-4B14-8FEA-55FC702F5BE7}" presName="FourNodes_3" presStyleLbl="node1" presStyleIdx="2" presStyleCnt="4">
+    <dgm:pt modelId="{CF2051C8-7A10-4951-BD51-EF40536C9BA6}" type="pres">
+      <dgm:prSet presAssocID="{CD7942A0-B7D2-4B14-8FEA-55FC702F5BE7}" presName="FiveNodes_3" presStyleLbl="node1" presStyleIdx="2" presStyleCnt="5">
         <dgm:presLayoutVars>
           <dgm:bulletEnabled val="1"/>
         </dgm:presLayoutVars>
       </dgm:prSet>
       <dgm:spPr/>
     </dgm:pt>
-    <dgm:pt modelId="{EE0AFCDC-092D-4CE5-8047-F2906B477F77}" type="pres">
-      <dgm:prSet presAssocID="{CD7942A0-B7D2-4B14-8FEA-55FC702F5BE7}" presName="FourNodes_4" presStyleLbl="node1" presStyleIdx="3" presStyleCnt="4">
+    <dgm:pt modelId="{5CA34B64-3545-4D3D-BA18-CE6835C368AD}" type="pres">
+      <dgm:prSet presAssocID="{CD7942A0-B7D2-4B14-8FEA-55FC702F5BE7}" presName="FiveNodes_4" presStyleLbl="node1" presStyleIdx="3" presStyleCnt="5">
         <dgm:presLayoutVars>
           <dgm:bulletEnabled val="1"/>
         </dgm:presLayoutVars>
       </dgm:prSet>
       <dgm:spPr/>
     </dgm:pt>
-    <dgm:pt modelId="{95E0A744-290B-43C7-A31E-926727B0E879}" type="pres">
-      <dgm:prSet presAssocID="{CD7942A0-B7D2-4B14-8FEA-55FC702F5BE7}" presName="FourConn_1-2" presStyleLbl="fgAccFollowNode1" presStyleIdx="0" presStyleCnt="3">
+    <dgm:pt modelId="{8AD08553-AB70-4780-9B27-104F576D6A5D}" type="pres">
+      <dgm:prSet presAssocID="{CD7942A0-B7D2-4B14-8FEA-55FC702F5BE7}" presName="FiveNodes_5" presStyleLbl="node1" presStyleIdx="4" presStyleCnt="5">
         <dgm:presLayoutVars>
           <dgm:bulletEnabled val="1"/>
         </dgm:presLayoutVars>
       </dgm:prSet>
       <dgm:spPr/>
     </dgm:pt>
-    <dgm:pt modelId="{245B3952-C11A-4E36-946E-17E52E99DF13}" type="pres">
-      <dgm:prSet presAssocID="{CD7942A0-B7D2-4B14-8FEA-55FC702F5BE7}" presName="FourConn_2-3" presStyleLbl="fgAccFollowNode1" presStyleIdx="1" presStyleCnt="3">
+    <dgm:pt modelId="{A32FC7C5-28CC-4FD4-BF90-FAF42F5DC589}" type="pres">
+      <dgm:prSet presAssocID="{CD7942A0-B7D2-4B14-8FEA-55FC702F5BE7}" presName="FiveConn_1-2" presStyleLbl="fgAccFollowNode1" presStyleIdx="0" presStyleCnt="4">
         <dgm:presLayoutVars>
           <dgm:bulletEnabled val="1"/>
         </dgm:presLayoutVars>
       </dgm:prSet>
       <dgm:spPr/>
     </dgm:pt>
-    <dgm:pt modelId="{0573D651-9D72-44FD-88A1-195644D94676}" type="pres">
-      <dgm:prSet presAssocID="{CD7942A0-B7D2-4B14-8FEA-55FC702F5BE7}" presName="FourConn_3-4" presStyleLbl="fgAccFollowNode1" presStyleIdx="2" presStyleCnt="3">
+    <dgm:pt modelId="{EC578C14-D414-4A4D-9C8E-09250F203B1D}" type="pres">
+      <dgm:prSet presAssocID="{CD7942A0-B7D2-4B14-8FEA-55FC702F5BE7}" presName="FiveConn_2-3" presStyleLbl="fgAccFollowNode1" presStyleIdx="1" presStyleCnt="4">
         <dgm:presLayoutVars>
           <dgm:bulletEnabled val="1"/>
         </dgm:presLayoutVars>
       </dgm:prSet>
       <dgm:spPr/>
     </dgm:pt>
-    <dgm:pt modelId="{96A4055B-73C2-462D-B7F6-128EAE26EBAD}" type="pres">
-      <dgm:prSet presAssocID="{CD7942A0-B7D2-4B14-8FEA-55FC702F5BE7}" presName="FourNodes_1_text" presStyleLbl="node1" presStyleIdx="3" presStyleCnt="4">
+    <dgm:pt modelId="{33E06F3E-FC5B-4A01-AAD4-7A2B02EC6068}" type="pres">
+      <dgm:prSet presAssocID="{CD7942A0-B7D2-4B14-8FEA-55FC702F5BE7}" presName="FiveConn_3-4" presStyleLbl="fgAccFollowNode1" presStyleIdx="2" presStyleCnt="4">
         <dgm:presLayoutVars>
           <dgm:bulletEnabled val="1"/>
         </dgm:presLayoutVars>
       </dgm:prSet>
       <dgm:spPr/>
     </dgm:pt>
-    <dgm:pt modelId="{31CA09A6-1B39-4F9D-8B1D-6FBFEB5BC051}" type="pres">
-      <dgm:prSet presAssocID="{CD7942A0-B7D2-4B14-8FEA-55FC702F5BE7}" presName="FourNodes_2_text" presStyleLbl="node1" presStyleIdx="3" presStyleCnt="4">
+    <dgm:pt modelId="{D869D675-6C48-4D0B-AABA-E195EBEF9241}" type="pres">
+      <dgm:prSet presAssocID="{CD7942A0-B7D2-4B14-8FEA-55FC702F5BE7}" presName="FiveConn_4-5" presStyleLbl="fgAccFollowNode1" presStyleIdx="3" presStyleCnt="4">
         <dgm:presLayoutVars>
           <dgm:bulletEnabled val="1"/>
         </dgm:presLayoutVars>
       </dgm:prSet>
       <dgm:spPr/>
     </dgm:pt>
-    <dgm:pt modelId="{7EC1A8C4-76A5-4D35-8642-19AD6B2565DC}" type="pres">
-      <dgm:prSet presAssocID="{CD7942A0-B7D2-4B14-8FEA-55FC702F5BE7}" presName="FourNodes_3_text" presStyleLbl="node1" presStyleIdx="3" presStyleCnt="4">
+    <dgm:pt modelId="{F99471F0-887F-494B-AE51-3E6D3C940184}" type="pres">
+      <dgm:prSet presAssocID="{CD7942A0-B7D2-4B14-8FEA-55FC702F5BE7}" presName="FiveNodes_1_text" presStyleLbl="node1" presStyleIdx="4" presStyleCnt="5">
         <dgm:presLayoutVars>
           <dgm:bulletEnabled val="1"/>
         </dgm:presLayoutVars>
       </dgm:prSet>
       <dgm:spPr/>
     </dgm:pt>
-    <dgm:pt modelId="{EE264375-FF85-4921-853E-D9BD17913B39}" type="pres">
-      <dgm:prSet presAssocID="{CD7942A0-B7D2-4B14-8FEA-55FC702F5BE7}" presName="FourNodes_4_text" presStyleLbl="node1" presStyleIdx="3" presStyleCnt="4">
+    <dgm:pt modelId="{EA1B6D68-4052-4E2C-BD17-7F5E6C670AAA}" type="pres">
+      <dgm:prSet presAssocID="{CD7942A0-B7D2-4B14-8FEA-55FC702F5BE7}" presName="FiveNodes_2_text" presStyleLbl="node1" presStyleIdx="4" presStyleCnt="5">
+        <dgm:presLayoutVars>
+          <dgm:bulletEnabled val="1"/>
+        </dgm:presLayoutVars>
+      </dgm:prSet>
+      <dgm:spPr/>
+    </dgm:pt>
+    <dgm:pt modelId="{F6472B82-75B9-4ADB-88C7-5F8E2DB2C2F5}" type="pres">
+      <dgm:prSet presAssocID="{CD7942A0-B7D2-4B14-8FEA-55FC702F5BE7}" presName="FiveNodes_3_text" presStyleLbl="node1" presStyleIdx="4" presStyleCnt="5">
+        <dgm:presLayoutVars>
+          <dgm:bulletEnabled val="1"/>
+        </dgm:presLayoutVars>
+      </dgm:prSet>
+      <dgm:spPr/>
+    </dgm:pt>
+    <dgm:pt modelId="{B7A1341B-DBA2-499E-8528-2CFEBF000DB0}" type="pres">
+      <dgm:prSet presAssocID="{CD7942A0-B7D2-4B14-8FEA-55FC702F5BE7}" presName="FiveNodes_4_text" presStyleLbl="node1" presStyleIdx="4" presStyleCnt="5">
+        <dgm:presLayoutVars>
+          <dgm:bulletEnabled val="1"/>
+        </dgm:presLayoutVars>
+      </dgm:prSet>
+      <dgm:spPr/>
+    </dgm:pt>
+    <dgm:pt modelId="{0E56F19B-890C-4542-8E37-E769CB6BEC14}" type="pres">
+      <dgm:prSet presAssocID="{CD7942A0-B7D2-4B14-8FEA-55FC702F5BE7}" presName="FiveNodes_5_text" presStyleLbl="node1" presStyleIdx="4" presStyleCnt="5">
         <dgm:presLayoutVars>
           <dgm:bulletEnabled val="1"/>
         </dgm:presLayoutVars>
@@ -2204,34 +2359,41 @@
     </dgm:pt>
   </dgm:ptLst>
   <dgm:cxnLst>
-    <dgm:cxn modelId="{24CA8604-B1FE-4A54-B6BD-7C34FBB97996}" type="presOf" srcId="{7133ECF5-4190-4604-AA2F-03C9A0A9210F}" destId="{34EA1704-B4BE-454F-B656-F9E203ACE958}" srcOrd="0" destOrd="0" presId="urn:microsoft.com/office/officeart/2005/8/layout/vProcess5"/>
-    <dgm:cxn modelId="{DC7AD529-3ABC-451D-B56C-626D96B6A62D}" type="presOf" srcId="{8877691F-1B60-4485-9174-DDEC7EE68B70}" destId="{95E0A744-290B-43C7-A31E-926727B0E879}" srcOrd="0" destOrd="0" presId="urn:microsoft.com/office/officeart/2005/8/layout/vProcess5"/>
+    <dgm:cxn modelId="{0EFD3415-C44D-426E-9B22-50DA8D7BB9BD}" type="presOf" srcId="{7133ECF5-4190-4604-AA2F-03C9A0A9210F}" destId="{CF2051C8-7A10-4951-BD51-EF40536C9BA6}" srcOrd="0" destOrd="0" presId="urn:microsoft.com/office/officeart/2005/8/layout/vProcess5"/>
+    <dgm:cxn modelId="{95B92F18-90FD-4455-93AC-788ECA75D4B8}" type="presOf" srcId="{8877691F-1B60-4485-9174-DDEC7EE68B70}" destId="{A32FC7C5-28CC-4FD4-BF90-FAF42F5DC589}" srcOrd="0" destOrd="0" presId="urn:microsoft.com/office/officeart/2005/8/layout/vProcess5"/>
+    <dgm:cxn modelId="{CD6AF15E-B2F6-439E-8997-BADE1969738E}" type="presOf" srcId="{095A5E99-E976-4550-8F80-53CC813F2F5A}" destId="{DE899389-9074-43C4-B40E-7289ADEAF9E8}" srcOrd="0" destOrd="0" presId="urn:microsoft.com/office/officeart/2005/8/layout/vProcess5"/>
     <dgm:cxn modelId="{011A9761-E983-4C7D-AB1D-2038261D8FF8}" srcId="{CD7942A0-B7D2-4B14-8FEA-55FC702F5BE7}" destId="{7133ECF5-4190-4604-AA2F-03C9A0A9210F}" srcOrd="2" destOrd="0" parTransId="{7D1B29D7-21DD-436A-8F7C-E87DE53C1431}" sibTransId="{46037378-034A-4662-877A-B53E1DA069A3}"/>
-    <dgm:cxn modelId="{B18C0666-FEDE-4765-9CB5-FE8C0ED50D3B}" type="presOf" srcId="{095A5E99-E976-4550-8F80-53CC813F2F5A}" destId="{96A4055B-73C2-462D-B7F6-128EAE26EBAD}" srcOrd="1" destOrd="0" presId="urn:microsoft.com/office/officeart/2005/8/layout/vProcess5"/>
+    <dgm:cxn modelId="{25790F46-39A0-4452-A189-B7318245A1CA}" type="presOf" srcId="{C1BD2C1C-803D-4A8D-B7DC-E6226CBCA98D}" destId="{0E56F19B-890C-4542-8E37-E769CB6BEC14}" srcOrd="1" destOrd="0" presId="urn:microsoft.com/office/officeart/2005/8/layout/vProcess5"/>
     <dgm:cxn modelId="{9BB3BB46-F9E7-4BBF-A8F7-73B64093F717}" srcId="{CD7942A0-B7D2-4B14-8FEA-55FC702F5BE7}" destId="{EBD98A92-90EB-4463-A179-FF2D1431E080}" srcOrd="3" destOrd="0" parTransId="{3D39BF7B-FC1C-478B-BDD0-8B9558EB579C}" sibTransId="{993EE56D-C86B-4B52-B50B-5BA1E8521489}"/>
-    <dgm:cxn modelId="{2C36EB7C-5D19-457F-928E-166E146EE8AA}" type="presOf" srcId="{B3EFD4A5-9FA1-4ABE-B722-05162509509B}" destId="{245B3952-C11A-4E36-946E-17E52E99DF13}" srcOrd="0" destOrd="0" presId="urn:microsoft.com/office/officeart/2005/8/layout/vProcess5"/>
+    <dgm:cxn modelId="{A8C9014A-128D-4C56-B9F1-ECA6B5C0F902}" type="presOf" srcId="{8EC937D8-BD76-4A12-A3E5-900D5C1E2E05}" destId="{FE726961-1DC2-4CE8-B53D-CAE92D607FF7}" srcOrd="0" destOrd="0" presId="urn:microsoft.com/office/officeart/2005/8/layout/vProcess5"/>
+    <dgm:cxn modelId="{E8D67876-ADDB-4998-A181-1E06DE03C312}" type="presOf" srcId="{EBD98A92-90EB-4463-A179-FF2D1431E080}" destId="{B7A1341B-DBA2-499E-8528-2CFEBF000DB0}" srcOrd="1" destOrd="0" presId="urn:microsoft.com/office/officeart/2005/8/layout/vProcess5"/>
+    <dgm:cxn modelId="{8561B281-42C5-4C83-BAAF-7886F434B859}" type="presOf" srcId="{46037378-034A-4662-877A-B53E1DA069A3}" destId="{33E06F3E-FC5B-4A01-AAD4-7A2B02EC6068}" srcOrd="0" destOrd="0" presId="urn:microsoft.com/office/officeart/2005/8/layout/vProcess5"/>
     <dgm:cxn modelId="{43DC8383-AEE5-490C-A8E5-1F216F2B8FE6}" srcId="{CD7942A0-B7D2-4B14-8FEA-55FC702F5BE7}" destId="{8EC937D8-BD76-4A12-A3E5-900D5C1E2E05}" srcOrd="1" destOrd="0" parTransId="{8265EE85-9851-494E-A6D3-1CDACE947DF3}" sibTransId="{B3EFD4A5-9FA1-4ABE-B722-05162509509B}"/>
+    <dgm:cxn modelId="{9AF23A85-5839-4452-B23E-FDC3F2C0946C}" type="presOf" srcId="{8EC937D8-BD76-4A12-A3E5-900D5C1E2E05}" destId="{EA1B6D68-4052-4E2C-BD17-7F5E6C670AAA}" srcOrd="1" destOrd="0" presId="urn:microsoft.com/office/officeart/2005/8/layout/vProcess5"/>
+    <dgm:cxn modelId="{E9A2CD8A-4B7B-4619-859F-8A3DDADC1042}" type="presOf" srcId="{7133ECF5-4190-4604-AA2F-03C9A0A9210F}" destId="{F6472B82-75B9-4ADB-88C7-5F8E2DB2C2F5}" srcOrd="1" destOrd="0" presId="urn:microsoft.com/office/officeart/2005/8/layout/vProcess5"/>
     <dgm:cxn modelId="{C2D0E194-BD14-4AD2-9E3A-CE984C34B6CD}" type="presOf" srcId="{CD7942A0-B7D2-4B14-8FEA-55FC702F5BE7}" destId="{1D84D8B6-AB32-4491-B5D2-EFE3D7668B88}" srcOrd="0" destOrd="0" presId="urn:microsoft.com/office/officeart/2005/8/layout/vProcess5"/>
-    <dgm:cxn modelId="{A8048599-BF33-4103-A775-8495A71D6730}" type="presOf" srcId="{095A5E99-E976-4550-8F80-53CC813F2F5A}" destId="{A336877B-CE7A-4608-A2AB-F3C7EF765D46}" srcOrd="0" destOrd="0" presId="urn:microsoft.com/office/officeart/2005/8/layout/vProcess5"/>
-    <dgm:cxn modelId="{60E29899-48D2-40C1-ABCB-8F640C53AED5}" type="presOf" srcId="{7133ECF5-4190-4604-AA2F-03C9A0A9210F}" destId="{7EC1A8C4-76A5-4D35-8642-19AD6B2565DC}" srcOrd="1" destOrd="0" presId="urn:microsoft.com/office/officeart/2005/8/layout/vProcess5"/>
-    <dgm:cxn modelId="{341102A9-4AD2-45FA-AD89-54DAA12CF667}" type="presOf" srcId="{8EC937D8-BD76-4A12-A3E5-900D5C1E2E05}" destId="{31CA09A6-1B39-4F9D-8B1D-6FBFEB5BC051}" srcOrd="1" destOrd="0" presId="urn:microsoft.com/office/officeart/2005/8/layout/vProcess5"/>
-    <dgm:cxn modelId="{6593D4C0-2F78-4458-A6F8-B6C2C5ED4AC3}" type="presOf" srcId="{46037378-034A-4662-877A-B53E1DA069A3}" destId="{0573D651-9D72-44FD-88A1-195644D94676}" srcOrd="0" destOrd="0" presId="urn:microsoft.com/office/officeart/2005/8/layout/vProcess5"/>
-    <dgm:cxn modelId="{755F0DCD-D6E9-417B-8400-0E09976A139A}" type="presOf" srcId="{EBD98A92-90EB-4463-A179-FF2D1431E080}" destId="{EE264375-FF85-4921-853E-D9BD17913B39}" srcOrd="1" destOrd="0" presId="urn:microsoft.com/office/officeart/2005/8/layout/vProcess5"/>
-    <dgm:cxn modelId="{EB6F8AD0-53DD-4C3D-9E83-ECA8ACC3CB0B}" type="presOf" srcId="{EBD98A92-90EB-4463-A179-FF2D1431E080}" destId="{EE0AFCDC-092D-4CE5-8047-F2906B477F77}" srcOrd="0" destOrd="0" presId="urn:microsoft.com/office/officeart/2005/8/layout/vProcess5"/>
+    <dgm:cxn modelId="{966D3EB2-A210-44FD-8154-7C0BE2C6E4EB}" type="presOf" srcId="{095A5E99-E976-4550-8F80-53CC813F2F5A}" destId="{F99471F0-887F-494B-AE51-3E6D3C940184}" srcOrd="1" destOrd="0" presId="urn:microsoft.com/office/officeart/2005/8/layout/vProcess5"/>
+    <dgm:cxn modelId="{055473BA-0D01-4E2B-BA9D-B0800C6C0359}" type="presOf" srcId="{C1BD2C1C-803D-4A8D-B7DC-E6226CBCA98D}" destId="{8AD08553-AB70-4780-9B27-104F576D6A5D}" srcOrd="0" destOrd="0" presId="urn:microsoft.com/office/officeart/2005/8/layout/vProcess5"/>
+    <dgm:cxn modelId="{DC3098CC-71E3-4C09-BB21-89E5D158A91B}" type="presOf" srcId="{993EE56D-C86B-4B52-B50B-5BA1E8521489}" destId="{D869D675-6C48-4D0B-AABA-E195EBEF9241}" srcOrd="0" destOrd="0" presId="urn:microsoft.com/office/officeart/2005/8/layout/vProcess5"/>
+    <dgm:cxn modelId="{C4867CDC-6AB4-4FF5-B6E4-BEC870F8FF1D}" type="presOf" srcId="{EBD98A92-90EB-4463-A179-FF2D1431E080}" destId="{5CA34B64-3545-4D3D-BA18-CE6835C368AD}" srcOrd="0" destOrd="0" presId="urn:microsoft.com/office/officeart/2005/8/layout/vProcess5"/>
     <dgm:cxn modelId="{D1A4D8E6-F04E-4AB1-8D0C-63DC7AB1E81F}" srcId="{CD7942A0-B7D2-4B14-8FEA-55FC702F5BE7}" destId="{095A5E99-E976-4550-8F80-53CC813F2F5A}" srcOrd="0" destOrd="0" parTransId="{03339A0D-5DC0-4B29-8353-C5AEBFD4DE86}" sibTransId="{8877691F-1B60-4485-9174-DDEC7EE68B70}"/>
-    <dgm:cxn modelId="{D14224FD-3D78-452E-AA09-32B3332B45F7}" type="presOf" srcId="{8EC937D8-BD76-4A12-A3E5-900D5C1E2E05}" destId="{A98CCF53-4D9E-4C6E-B856-3ED0D3945856}" srcOrd="0" destOrd="0" presId="urn:microsoft.com/office/officeart/2005/8/layout/vProcess5"/>
+    <dgm:cxn modelId="{3C0B04F0-079D-4B73-9AB2-D274A1964BF8}" type="presOf" srcId="{B3EFD4A5-9FA1-4ABE-B722-05162509509B}" destId="{EC578C14-D414-4A4D-9C8E-09250F203B1D}" srcOrd="0" destOrd="0" presId="urn:microsoft.com/office/officeart/2005/8/layout/vProcess5"/>
+    <dgm:cxn modelId="{270EAAFB-3410-4ABD-B3D7-A8615733786E}" srcId="{CD7942A0-B7D2-4B14-8FEA-55FC702F5BE7}" destId="{C1BD2C1C-803D-4A8D-B7DC-E6226CBCA98D}" srcOrd="4" destOrd="0" parTransId="{56494F05-FCF5-49A7-92BE-8AC097C42401}" sibTransId="{7C6BD232-B3F7-4F66-A751-E824931C4312}"/>
     <dgm:cxn modelId="{768DB908-A4BF-48A6-A740-5DD0CBAFBB11}" type="presParOf" srcId="{1D84D8B6-AB32-4491-B5D2-EFE3D7668B88}" destId="{3E0E8213-E460-4EB7-9A92-C2B1CC553F0D}" srcOrd="0" destOrd="0" presId="urn:microsoft.com/office/officeart/2005/8/layout/vProcess5"/>
-    <dgm:cxn modelId="{10BDC392-1393-428E-A920-96F92FD47609}" type="presParOf" srcId="{1D84D8B6-AB32-4491-B5D2-EFE3D7668B88}" destId="{A336877B-CE7A-4608-A2AB-F3C7EF765D46}" srcOrd="1" destOrd="0" presId="urn:microsoft.com/office/officeart/2005/8/layout/vProcess5"/>
-    <dgm:cxn modelId="{D7C4D725-9E6C-4FF4-B9F1-8BC4C2D837FF}" type="presParOf" srcId="{1D84D8B6-AB32-4491-B5D2-EFE3D7668B88}" destId="{A98CCF53-4D9E-4C6E-B856-3ED0D3945856}" srcOrd="2" destOrd="0" presId="urn:microsoft.com/office/officeart/2005/8/layout/vProcess5"/>
-    <dgm:cxn modelId="{9F17E563-9D36-4B25-925B-3214885535AF}" type="presParOf" srcId="{1D84D8B6-AB32-4491-B5D2-EFE3D7668B88}" destId="{34EA1704-B4BE-454F-B656-F9E203ACE958}" srcOrd="3" destOrd="0" presId="urn:microsoft.com/office/officeart/2005/8/layout/vProcess5"/>
-    <dgm:cxn modelId="{45F8ABE5-2586-4B4C-9798-C248672815B2}" type="presParOf" srcId="{1D84D8B6-AB32-4491-B5D2-EFE3D7668B88}" destId="{EE0AFCDC-092D-4CE5-8047-F2906B477F77}" srcOrd="4" destOrd="0" presId="urn:microsoft.com/office/officeart/2005/8/layout/vProcess5"/>
-    <dgm:cxn modelId="{1CE6B516-3516-4C22-8C4A-9DC35F81D201}" type="presParOf" srcId="{1D84D8B6-AB32-4491-B5D2-EFE3D7668B88}" destId="{95E0A744-290B-43C7-A31E-926727B0E879}" srcOrd="5" destOrd="0" presId="urn:microsoft.com/office/officeart/2005/8/layout/vProcess5"/>
-    <dgm:cxn modelId="{94A062F3-61B2-4D21-8707-37855A5CE876}" type="presParOf" srcId="{1D84D8B6-AB32-4491-B5D2-EFE3D7668B88}" destId="{245B3952-C11A-4E36-946E-17E52E99DF13}" srcOrd="6" destOrd="0" presId="urn:microsoft.com/office/officeart/2005/8/layout/vProcess5"/>
-    <dgm:cxn modelId="{515CA199-D84E-47DB-BF9D-D70BAD33D472}" type="presParOf" srcId="{1D84D8B6-AB32-4491-B5D2-EFE3D7668B88}" destId="{0573D651-9D72-44FD-88A1-195644D94676}" srcOrd="7" destOrd="0" presId="urn:microsoft.com/office/officeart/2005/8/layout/vProcess5"/>
-    <dgm:cxn modelId="{1278335B-70F0-48F0-8671-3576B5E98F96}" type="presParOf" srcId="{1D84D8B6-AB32-4491-B5D2-EFE3D7668B88}" destId="{96A4055B-73C2-462D-B7F6-128EAE26EBAD}" srcOrd="8" destOrd="0" presId="urn:microsoft.com/office/officeart/2005/8/layout/vProcess5"/>
-    <dgm:cxn modelId="{02A3D291-1733-4FA1-B690-35B17730CA4E}" type="presParOf" srcId="{1D84D8B6-AB32-4491-B5D2-EFE3D7668B88}" destId="{31CA09A6-1B39-4F9D-8B1D-6FBFEB5BC051}" srcOrd="9" destOrd="0" presId="urn:microsoft.com/office/officeart/2005/8/layout/vProcess5"/>
-    <dgm:cxn modelId="{F0C359F3-52E1-4291-9FCF-6797070A60A7}" type="presParOf" srcId="{1D84D8B6-AB32-4491-B5D2-EFE3D7668B88}" destId="{7EC1A8C4-76A5-4D35-8642-19AD6B2565DC}" srcOrd="10" destOrd="0" presId="urn:microsoft.com/office/officeart/2005/8/layout/vProcess5"/>
-    <dgm:cxn modelId="{091BDA83-C333-408A-B4C9-54083A1515A3}" type="presParOf" srcId="{1D84D8B6-AB32-4491-B5D2-EFE3D7668B88}" destId="{EE264375-FF85-4921-853E-D9BD17913B39}" srcOrd="11" destOrd="0" presId="urn:microsoft.com/office/officeart/2005/8/layout/vProcess5"/>
+    <dgm:cxn modelId="{FD562336-D937-48A6-BFBD-83436BF2767B}" type="presParOf" srcId="{1D84D8B6-AB32-4491-B5D2-EFE3D7668B88}" destId="{DE899389-9074-43C4-B40E-7289ADEAF9E8}" srcOrd="1" destOrd="0" presId="urn:microsoft.com/office/officeart/2005/8/layout/vProcess5"/>
+    <dgm:cxn modelId="{E456DA53-EBB0-44DB-9CE9-0CAD2D489508}" type="presParOf" srcId="{1D84D8B6-AB32-4491-B5D2-EFE3D7668B88}" destId="{FE726961-1DC2-4CE8-B53D-CAE92D607FF7}" srcOrd="2" destOrd="0" presId="urn:microsoft.com/office/officeart/2005/8/layout/vProcess5"/>
+    <dgm:cxn modelId="{0CF5D8F6-0FCC-454F-BCD3-CB1012D24C06}" type="presParOf" srcId="{1D84D8B6-AB32-4491-B5D2-EFE3D7668B88}" destId="{CF2051C8-7A10-4951-BD51-EF40536C9BA6}" srcOrd="3" destOrd="0" presId="urn:microsoft.com/office/officeart/2005/8/layout/vProcess5"/>
+    <dgm:cxn modelId="{6C900E29-7F1F-4CFA-92C7-534C41377435}" type="presParOf" srcId="{1D84D8B6-AB32-4491-B5D2-EFE3D7668B88}" destId="{5CA34B64-3545-4D3D-BA18-CE6835C368AD}" srcOrd="4" destOrd="0" presId="urn:microsoft.com/office/officeart/2005/8/layout/vProcess5"/>
+    <dgm:cxn modelId="{ADDF3B9E-B065-4B84-80C1-3BED6403C074}" type="presParOf" srcId="{1D84D8B6-AB32-4491-B5D2-EFE3D7668B88}" destId="{8AD08553-AB70-4780-9B27-104F576D6A5D}" srcOrd="5" destOrd="0" presId="urn:microsoft.com/office/officeart/2005/8/layout/vProcess5"/>
+    <dgm:cxn modelId="{521C93A3-5E3A-4C32-8D50-BBBFE83DAAE0}" type="presParOf" srcId="{1D84D8B6-AB32-4491-B5D2-EFE3D7668B88}" destId="{A32FC7C5-28CC-4FD4-BF90-FAF42F5DC589}" srcOrd="6" destOrd="0" presId="urn:microsoft.com/office/officeart/2005/8/layout/vProcess5"/>
+    <dgm:cxn modelId="{E71FB290-88B5-411B-8E71-1D496773D6FE}" type="presParOf" srcId="{1D84D8B6-AB32-4491-B5D2-EFE3D7668B88}" destId="{EC578C14-D414-4A4D-9C8E-09250F203B1D}" srcOrd="7" destOrd="0" presId="urn:microsoft.com/office/officeart/2005/8/layout/vProcess5"/>
+    <dgm:cxn modelId="{1219E92D-0143-47F4-9C33-35A91749A90E}" type="presParOf" srcId="{1D84D8B6-AB32-4491-B5D2-EFE3D7668B88}" destId="{33E06F3E-FC5B-4A01-AAD4-7A2B02EC6068}" srcOrd="8" destOrd="0" presId="urn:microsoft.com/office/officeart/2005/8/layout/vProcess5"/>
+    <dgm:cxn modelId="{F09FC5F1-387C-4865-AECA-A002E367BAB8}" type="presParOf" srcId="{1D84D8B6-AB32-4491-B5D2-EFE3D7668B88}" destId="{D869D675-6C48-4D0B-AABA-E195EBEF9241}" srcOrd="9" destOrd="0" presId="urn:microsoft.com/office/officeart/2005/8/layout/vProcess5"/>
+    <dgm:cxn modelId="{6F59741D-FFCF-432A-ABC7-967578230F76}" type="presParOf" srcId="{1D84D8B6-AB32-4491-B5D2-EFE3D7668B88}" destId="{F99471F0-887F-494B-AE51-3E6D3C940184}" srcOrd="10" destOrd="0" presId="urn:microsoft.com/office/officeart/2005/8/layout/vProcess5"/>
+    <dgm:cxn modelId="{CA6B49B5-0FCE-4ECA-B247-F552A5B43CA6}" type="presParOf" srcId="{1D84D8B6-AB32-4491-B5D2-EFE3D7668B88}" destId="{EA1B6D68-4052-4E2C-BD17-7F5E6C670AAA}" srcOrd="11" destOrd="0" presId="urn:microsoft.com/office/officeart/2005/8/layout/vProcess5"/>
+    <dgm:cxn modelId="{96791EE8-7125-428D-B678-8C9E484BDFA9}" type="presParOf" srcId="{1D84D8B6-AB32-4491-B5D2-EFE3D7668B88}" destId="{F6472B82-75B9-4ADB-88C7-5F8E2DB2C2F5}" srcOrd="12" destOrd="0" presId="urn:microsoft.com/office/officeart/2005/8/layout/vProcess5"/>
+    <dgm:cxn modelId="{A4DE8F72-9CF0-4035-86F1-E25A7BFF7F94}" type="presParOf" srcId="{1D84D8B6-AB32-4491-B5D2-EFE3D7668B88}" destId="{B7A1341B-DBA2-499E-8528-2CFEBF000DB0}" srcOrd="13" destOrd="0" presId="urn:microsoft.com/office/officeart/2005/8/layout/vProcess5"/>
+    <dgm:cxn modelId="{C6DB91FB-B70D-4F4B-A9AB-46F536B5288D}" type="presParOf" srcId="{1D84D8B6-AB32-4491-B5D2-EFE3D7668B88}" destId="{0E56F19B-890C-4542-8E37-E769CB6BEC14}" srcOrd="14" destOrd="0" presId="urn:microsoft.com/office/officeart/2005/8/layout/vProcess5"/>
   </dgm:cxnLst>
   <dgm:bg/>
   <dgm:whole/>
@@ -2251,7 +2413,7 @@
       <dsp:cNvGrpSpPr/>
     </dsp:nvGrpSpPr>
     <dsp:grpSpPr/>
-    <dsp:sp modelId="{A336877B-CE7A-4608-A2AB-F3C7EF765D46}">
+    <dsp:sp modelId="{DE899389-9074-43C4-B40E-7289ADEAF9E8}">
       <dsp:nvSpPr>
         <dsp:cNvPr id="0" name=""/>
         <dsp:cNvSpPr/>
@@ -2259,7 +2421,7 @@
       <dsp:spPr>
         <a:xfrm>
           <a:off x="0" y="0"/>
-          <a:ext cx="4062729" cy="982440"/>
+          <a:ext cx="3910377" cy="803814"/>
         </a:xfrm>
         <a:prstGeom prst="roundRect">
           <a:avLst>
@@ -2269,7 +2431,8 @@
         <a:gradFill rotWithShape="0">
           <a:gsLst>
             <a:gs pos="0">
-              <a:schemeClr val="accent3">
+              <a:schemeClr val="accent1">
+                <a:shade val="80000"/>
                 <a:hueOff val="0"/>
                 <a:satOff val="0"/>
                 <a:lumOff val="0"/>
@@ -2279,7 +2442,8 @@
               </a:schemeClr>
             </a:gs>
             <a:gs pos="50000">
-              <a:schemeClr val="accent3">
+              <a:schemeClr val="accent1">
+                <a:shade val="80000"/>
                 <a:hueOff val="0"/>
                 <a:satOff val="0"/>
                 <a:lumOff val="0"/>
@@ -2289,7 +2453,8 @@
               </a:schemeClr>
             </a:gs>
             <a:gs pos="70000">
-              <a:schemeClr val="accent3">
+              <a:schemeClr val="accent1">
+                <a:shade val="80000"/>
                 <a:hueOff val="0"/>
                 <a:satOff val="0"/>
                 <a:lumOff val="0"/>
@@ -2300,7 +2465,8 @@
               </a:schemeClr>
             </a:gs>
             <a:gs pos="100000">
-              <a:schemeClr val="accent3">
+              <a:schemeClr val="accent1">
+                <a:shade val="80000"/>
                 <a:hueOff val="0"/>
                 <a:satOff val="0"/>
                 <a:lumOff val="0"/>
@@ -2334,7 +2500,8 @@
         <a:sp3d contourW="6350">
           <a:bevelT w="29210" h="12700"/>
           <a:contourClr>
-            <a:schemeClr val="accent3">
+            <a:schemeClr val="accent1">
+              <a:shade val="80000"/>
               <a:hueOff val="0"/>
               <a:satOff val="0"/>
               <a:lumOff val="0"/>
@@ -2359,12 +2526,12 @@
         </a:fontRef>
       </dsp:style>
       <dsp:txBody>
-        <a:bodyPr spcFirstLastPara="0" vert="horz" wrap="square" lIns="83820" tIns="83820" rIns="83820" bIns="83820" numCol="1" spcCol="1270" rtlCol="0" anchor="ctr" anchorCtr="0">
+        <a:bodyPr spcFirstLastPara="0" vert="horz" wrap="square" lIns="80010" tIns="80010" rIns="80010" bIns="80010" numCol="1" spcCol="1270" rtlCol="0" anchor="ctr" anchorCtr="0">
           <a:noAutofit/>
         </a:bodyPr>
         <a:lstStyle/>
         <a:p>
-          <a:pPr marL="0" lvl="0" indent="0" algn="l" defTabSz="977900" rtl="0">
+          <a:pPr marL="0" lvl="0" indent="0" algn="l" defTabSz="933450" rtl="0">
             <a:lnSpc>
               <a:spcPct val="90000"/>
             </a:lnSpc>
@@ -2377,50 +2544,58 @@
             <a:buNone/>
           </a:pPr>
           <a:r>
-            <a:rPr lang="de-DE" sz="2200" b="1" kern="1200" dirty="0" err="1"/>
+            <a:rPr lang="de-DE" sz="2100" b="0" kern="1200" dirty="0" err="1"/>
             <a:t>Normalization</a:t>
           </a:r>
           <a:r>
-            <a:rPr lang="de-DE" sz="2200" b="1" kern="1200" dirty="0"/>
+            <a:rPr lang="de-DE" sz="2100" b="0" kern="1200" dirty="0"/>
+            <a:t> and clean </a:t>
+          </a:r>
+          <a:r>
+            <a:rPr lang="de-DE" sz="2100" b="0" kern="1200" dirty="0" err="1"/>
+            <a:t>up</a:t>
+          </a:r>
+          <a:r>
+            <a:rPr lang="de-DE" sz="2100" b="0" kern="1200" dirty="0"/>
             <a:t> </a:t>
           </a:r>
           <a:r>
-            <a:rPr lang="de-DE" sz="2200" b="1" kern="1200" dirty="0" err="1"/>
+            <a:rPr lang="de-DE" sz="2100" b="0" kern="1200" dirty="0" err="1"/>
             <a:t>of</a:t>
           </a:r>
           <a:r>
-            <a:rPr lang="de-DE" sz="2200" b="1" kern="1200" dirty="0"/>
+            <a:rPr lang="de-DE" sz="2100" b="0" kern="1200" dirty="0"/>
             <a:t> </a:t>
           </a:r>
           <a:r>
-            <a:rPr lang="de-DE" sz="2200" b="1" kern="1200" dirty="0" err="1"/>
+            <a:rPr lang="de-DE" sz="2100" b="0" kern="1200" dirty="0" err="1"/>
             <a:t>the</a:t>
           </a:r>
           <a:r>
-            <a:rPr lang="de-DE" sz="2200" b="1" kern="1200" dirty="0"/>
+            <a:rPr lang="de-DE" sz="2100" b="0" kern="1200" dirty="0"/>
             <a:t> </a:t>
           </a:r>
           <a:r>
-            <a:rPr lang="de-DE" sz="2200" b="1" kern="1200" dirty="0" err="1"/>
+            <a:rPr lang="de-DE" sz="2100" b="0" kern="1200" dirty="0" err="1"/>
             <a:t>data</a:t>
           </a:r>
-          <a:endParaRPr lang="de-DE" sz="2200" kern="1200" noProof="0" dirty="0"/>
+          <a:endParaRPr lang="de-DE" sz="2100" b="0" kern="1200" noProof="0" dirty="0"/>
         </a:p>
       </dsp:txBody>
       <dsp:txXfrm>
-        <a:off x="28775" y="28775"/>
-        <a:ext cx="2919583" cy="924890"/>
+        <a:off x="23543" y="23543"/>
+        <a:ext cx="2948952" cy="756728"/>
       </dsp:txXfrm>
     </dsp:sp>
-    <dsp:sp modelId="{A98CCF53-4D9E-4C6E-B856-3ED0D3945856}">
+    <dsp:sp modelId="{FE726961-1DC2-4CE8-B53D-CAE92D607FF7}">
       <dsp:nvSpPr>
         <dsp:cNvPr id="0" name=""/>
         <dsp:cNvSpPr/>
       </dsp:nvSpPr>
       <dsp:spPr>
         <a:xfrm>
-          <a:off x="340253" y="1161065"/>
-          <a:ext cx="4062729" cy="982440"/>
+          <a:off x="292008" y="915455"/>
+          <a:ext cx="3910377" cy="803814"/>
         </a:xfrm>
         <a:prstGeom prst="roundRect">
           <a:avLst>
@@ -2430,30 +2605,33 @@
         <a:gradFill rotWithShape="0">
           <a:gsLst>
             <a:gs pos="0">
-              <a:schemeClr val="accent3">
-                <a:hueOff val="-4571270"/>
-                <a:satOff val="-8127"/>
-                <a:lumOff val="5229"/>
+              <a:schemeClr val="accent1">
+                <a:shade val="80000"/>
+                <a:hueOff val="0"/>
+                <a:satOff val="-18750"/>
+                <a:lumOff val="9904"/>
                 <a:alphaOff val="0"/>
                 <a:shade val="15000"/>
                 <a:satMod val="180000"/>
               </a:schemeClr>
             </a:gs>
             <a:gs pos="50000">
-              <a:schemeClr val="accent3">
-                <a:hueOff val="-4571270"/>
-                <a:satOff val="-8127"/>
-                <a:lumOff val="5229"/>
+              <a:schemeClr val="accent1">
+                <a:shade val="80000"/>
+                <a:hueOff val="0"/>
+                <a:satOff val="-18750"/>
+                <a:lumOff val="9904"/>
                 <a:alphaOff val="0"/>
                 <a:shade val="45000"/>
                 <a:satMod val="170000"/>
               </a:schemeClr>
             </a:gs>
             <a:gs pos="70000">
-              <a:schemeClr val="accent3">
-                <a:hueOff val="-4571270"/>
-                <a:satOff val="-8127"/>
-                <a:lumOff val="5229"/>
+              <a:schemeClr val="accent1">
+                <a:shade val="80000"/>
+                <a:hueOff val="0"/>
+                <a:satOff val="-18750"/>
+                <a:lumOff val="9904"/>
                 <a:alphaOff val="0"/>
                 <a:tint val="99000"/>
                 <a:shade val="65000"/>
@@ -2461,10 +2639,11 @@
               </a:schemeClr>
             </a:gs>
             <a:gs pos="100000">
-              <a:schemeClr val="accent3">
-                <a:hueOff val="-4571270"/>
-                <a:satOff val="-8127"/>
-                <a:lumOff val="5229"/>
+              <a:schemeClr val="accent1">
+                <a:shade val="80000"/>
+                <a:hueOff val="0"/>
+                <a:satOff val="-18750"/>
+                <a:lumOff val="9904"/>
                 <a:alphaOff val="0"/>
                 <a:tint val="100000"/>
                 <a:shade val="100000"/>
@@ -2495,10 +2674,11 @@
         <a:sp3d contourW="6350">
           <a:bevelT w="29210" h="12700"/>
           <a:contourClr>
-            <a:schemeClr val="accent3">
-              <a:hueOff val="-4571270"/>
-              <a:satOff val="-8127"/>
-              <a:lumOff val="5229"/>
+            <a:schemeClr val="accent1">
+              <a:shade val="80000"/>
+              <a:hueOff val="0"/>
+              <a:satOff val="-18750"/>
+              <a:lumOff val="9904"/>
               <a:alphaOff val="0"/>
               <a:satMod val="300000"/>
             </a:schemeClr>
@@ -2520,12 +2700,12 @@
         </a:fontRef>
       </dsp:style>
       <dsp:txBody>
-        <a:bodyPr spcFirstLastPara="0" vert="horz" wrap="square" lIns="83820" tIns="83820" rIns="83820" bIns="83820" numCol="1" spcCol="1270" rtlCol="0" anchor="ctr" anchorCtr="0">
+        <a:bodyPr spcFirstLastPara="0" vert="horz" wrap="square" lIns="80010" tIns="80010" rIns="80010" bIns="80010" numCol="1" spcCol="1270" rtlCol="0" anchor="ctr" anchorCtr="0">
           <a:noAutofit/>
         </a:bodyPr>
         <a:lstStyle/>
         <a:p>
-          <a:pPr marL="0" lvl="0" indent="0" algn="l" defTabSz="977900" rtl="0">
+          <a:pPr marL="0" lvl="0" indent="0" algn="l" defTabSz="933450" rtl="0">
             <a:lnSpc>
               <a:spcPct val="90000"/>
             </a:lnSpc>
@@ -2538,34 +2718,34 @@
             <a:buNone/>
           </a:pPr>
           <a:r>
-            <a:rPr lang="en-US" sz="2200" kern="1200" dirty="0"/>
+            <a:rPr lang="en-US" sz="2100" kern="1200" dirty="0"/>
             <a:t>Identification of </a:t>
           </a:r>
           <a:r>
-            <a:rPr lang="en-US" sz="2200" b="1" kern="1200" dirty="0" err="1"/>
+            <a:rPr lang="en-US" sz="2100" b="0" kern="1200" dirty="0" err="1"/>
             <a:t>absolut</a:t>
           </a:r>
           <a:r>
-            <a:rPr lang="en-US" sz="2200" b="1" kern="1200" dirty="0"/>
-            <a:t> and local maxima </a:t>
+            <a:rPr lang="en-US" sz="2100" b="0" kern="1200" dirty="0"/>
+            <a:t> and local maxima (shift?)</a:t>
           </a:r>
-          <a:endParaRPr lang="de-DE" sz="2200" kern="1200" noProof="0" dirty="0"/>
+          <a:endParaRPr lang="de-DE" sz="2100" b="0" kern="1200" noProof="0" dirty="0"/>
         </a:p>
       </dsp:txBody>
       <dsp:txXfrm>
-        <a:off x="369028" y="1189840"/>
-        <a:ext cx="3026339" cy="924890"/>
+        <a:off x="315551" y="938998"/>
+        <a:ext cx="3048803" cy="756728"/>
       </dsp:txXfrm>
     </dsp:sp>
-    <dsp:sp modelId="{34EA1704-B4BE-454F-B656-F9E203ACE958}">
+    <dsp:sp modelId="{CF2051C8-7A10-4951-BD51-EF40536C9BA6}">
       <dsp:nvSpPr>
         <dsp:cNvPr id="0" name=""/>
         <dsp:cNvSpPr/>
       </dsp:nvSpPr>
       <dsp:spPr>
         <a:xfrm>
-          <a:off x="675428" y="2322131"/>
-          <a:ext cx="4062729" cy="982440"/>
+          <a:off x="584017" y="1830911"/>
+          <a:ext cx="3910377" cy="803814"/>
         </a:xfrm>
         <a:prstGeom prst="roundRect">
           <a:avLst>
@@ -2575,30 +2755,33 @@
         <a:gradFill rotWithShape="0">
           <a:gsLst>
             <a:gs pos="0">
-              <a:schemeClr val="accent3">
-                <a:hueOff val="-9142540"/>
-                <a:satOff val="-16253"/>
-                <a:lumOff val="10457"/>
+              <a:schemeClr val="accent1">
+                <a:shade val="80000"/>
+                <a:hueOff val="0"/>
+                <a:satOff val="-37501"/>
+                <a:lumOff val="19807"/>
                 <a:alphaOff val="0"/>
                 <a:shade val="15000"/>
                 <a:satMod val="180000"/>
               </a:schemeClr>
             </a:gs>
             <a:gs pos="50000">
-              <a:schemeClr val="accent3">
-                <a:hueOff val="-9142540"/>
-                <a:satOff val="-16253"/>
-                <a:lumOff val="10457"/>
+              <a:schemeClr val="accent1">
+                <a:shade val="80000"/>
+                <a:hueOff val="0"/>
+                <a:satOff val="-37501"/>
+                <a:lumOff val="19807"/>
                 <a:alphaOff val="0"/>
                 <a:shade val="45000"/>
                 <a:satMod val="170000"/>
               </a:schemeClr>
             </a:gs>
             <a:gs pos="70000">
-              <a:schemeClr val="accent3">
-                <a:hueOff val="-9142540"/>
-                <a:satOff val="-16253"/>
-                <a:lumOff val="10457"/>
+              <a:schemeClr val="accent1">
+                <a:shade val="80000"/>
+                <a:hueOff val="0"/>
+                <a:satOff val="-37501"/>
+                <a:lumOff val="19807"/>
                 <a:alphaOff val="0"/>
                 <a:tint val="99000"/>
                 <a:shade val="65000"/>
@@ -2606,10 +2789,11 @@
               </a:schemeClr>
             </a:gs>
             <a:gs pos="100000">
-              <a:schemeClr val="accent3">
-                <a:hueOff val="-9142540"/>
-                <a:satOff val="-16253"/>
-                <a:lumOff val="10457"/>
+              <a:schemeClr val="accent1">
+                <a:shade val="80000"/>
+                <a:hueOff val="0"/>
+                <a:satOff val="-37501"/>
+                <a:lumOff val="19807"/>
                 <a:alphaOff val="0"/>
                 <a:tint val="100000"/>
                 <a:shade val="100000"/>
@@ -2640,10 +2824,11 @@
         <a:sp3d contourW="6350">
           <a:bevelT w="29210" h="12700"/>
           <a:contourClr>
-            <a:schemeClr val="accent3">
-              <a:hueOff val="-9142540"/>
-              <a:satOff val="-16253"/>
-              <a:lumOff val="10457"/>
+            <a:schemeClr val="accent1">
+              <a:shade val="80000"/>
+              <a:hueOff val="0"/>
+              <a:satOff val="-37501"/>
+              <a:lumOff val="19807"/>
               <a:alphaOff val="0"/>
               <a:satMod val="300000"/>
             </a:schemeClr>
@@ -2665,12 +2850,12 @@
         </a:fontRef>
       </dsp:style>
       <dsp:txBody>
-        <a:bodyPr spcFirstLastPara="0" vert="horz" wrap="square" lIns="83820" tIns="83820" rIns="83820" bIns="83820" numCol="1" spcCol="1270" rtlCol="0" anchor="ctr" anchorCtr="0">
+        <a:bodyPr spcFirstLastPara="0" vert="horz" wrap="square" lIns="80010" tIns="80010" rIns="80010" bIns="80010" numCol="1" spcCol="1270" rtlCol="0" anchor="ctr" anchorCtr="0">
           <a:noAutofit/>
         </a:bodyPr>
         <a:lstStyle/>
         <a:p>
-          <a:pPr marL="0" lvl="0" indent="0" algn="l" defTabSz="977900" rtl="0">
+          <a:pPr marL="0" lvl="0" indent="0" algn="l" defTabSz="933450" rtl="0">
             <a:lnSpc>
               <a:spcPct val="90000"/>
             </a:lnSpc>
@@ -2683,34 +2868,26 @@
             <a:buNone/>
           </a:pPr>
           <a:r>
-            <a:rPr lang="en-US" sz="2200" kern="1200" dirty="0"/>
-            <a:t>Definition of </a:t>
+            <a:rPr lang="en-US" sz="2100" b="0" kern="1200" dirty="0"/>
+            <a:t>Definition of selection criteria </a:t>
           </a:r>
-          <a:r>
-            <a:rPr lang="en-US" sz="2200" b="1" kern="1200" dirty="0"/>
-            <a:t>selection criteria</a:t>
-          </a:r>
-          <a:r>
-            <a:rPr lang="en-US" sz="2200" kern="1200" dirty="0"/>
-            <a:t> </a:t>
-          </a:r>
-          <a:endParaRPr lang="de-DE" sz="2200" kern="1200" noProof="0" dirty="0"/>
+          <a:endParaRPr lang="de-DE" sz="2100" b="0" kern="1200" noProof="0" dirty="0"/>
         </a:p>
       </dsp:txBody>
       <dsp:txXfrm>
-        <a:off x="704203" y="2350906"/>
-        <a:ext cx="3031418" cy="924890"/>
+        <a:off x="607560" y="1854454"/>
+        <a:ext cx="3048803" cy="756728"/>
       </dsp:txXfrm>
     </dsp:sp>
-    <dsp:sp modelId="{EE0AFCDC-092D-4CE5-8047-F2906B477F77}">
+    <dsp:sp modelId="{5CA34B64-3545-4D3D-BA18-CE6835C368AD}">
       <dsp:nvSpPr>
         <dsp:cNvPr id="0" name=""/>
         <dsp:cNvSpPr/>
       </dsp:nvSpPr>
       <dsp:spPr>
         <a:xfrm>
-          <a:off x="1015682" y="3483196"/>
-          <a:ext cx="4062729" cy="982440"/>
+          <a:off x="876026" y="2746366"/>
+          <a:ext cx="3910377" cy="803814"/>
         </a:xfrm>
         <a:prstGeom prst="roundRect">
           <a:avLst>
@@ -2720,30 +2897,33 @@
         <a:gradFill rotWithShape="0">
           <a:gsLst>
             <a:gs pos="0">
-              <a:schemeClr val="accent3">
-                <a:hueOff val="-13713810"/>
-                <a:satOff val="-24380"/>
-                <a:lumOff val="15686"/>
+              <a:schemeClr val="accent1">
+                <a:shade val="80000"/>
+                <a:hueOff val="0"/>
+                <a:satOff val="-56251"/>
+                <a:lumOff val="29711"/>
                 <a:alphaOff val="0"/>
                 <a:shade val="15000"/>
                 <a:satMod val="180000"/>
               </a:schemeClr>
             </a:gs>
             <a:gs pos="50000">
-              <a:schemeClr val="accent3">
-                <a:hueOff val="-13713810"/>
-                <a:satOff val="-24380"/>
-                <a:lumOff val="15686"/>
+              <a:schemeClr val="accent1">
+                <a:shade val="80000"/>
+                <a:hueOff val="0"/>
+                <a:satOff val="-56251"/>
+                <a:lumOff val="29711"/>
                 <a:alphaOff val="0"/>
                 <a:shade val="45000"/>
                 <a:satMod val="170000"/>
               </a:schemeClr>
             </a:gs>
             <a:gs pos="70000">
-              <a:schemeClr val="accent3">
-                <a:hueOff val="-13713810"/>
-                <a:satOff val="-24380"/>
-                <a:lumOff val="15686"/>
+              <a:schemeClr val="accent1">
+                <a:shade val="80000"/>
+                <a:hueOff val="0"/>
+                <a:satOff val="-56251"/>
+                <a:lumOff val="29711"/>
                 <a:alphaOff val="0"/>
                 <a:tint val="99000"/>
                 <a:shade val="65000"/>
@@ -2751,10 +2931,11 @@
               </a:schemeClr>
             </a:gs>
             <a:gs pos="100000">
-              <a:schemeClr val="accent3">
-                <a:hueOff val="-13713810"/>
-                <a:satOff val="-24380"/>
-                <a:lumOff val="15686"/>
+              <a:schemeClr val="accent1">
+                <a:shade val="80000"/>
+                <a:hueOff val="0"/>
+                <a:satOff val="-56251"/>
+                <a:lumOff val="29711"/>
                 <a:alphaOff val="0"/>
                 <a:tint val="100000"/>
                 <a:shade val="100000"/>
@@ -2785,10 +2966,11 @@
         <a:sp3d contourW="6350">
           <a:bevelT w="29210" h="12700"/>
           <a:contourClr>
-            <a:schemeClr val="accent3">
-              <a:hueOff val="-13713810"/>
-              <a:satOff val="-24380"/>
-              <a:lumOff val="15686"/>
+            <a:schemeClr val="accent1">
+              <a:shade val="80000"/>
+              <a:hueOff val="0"/>
+              <a:satOff val="-56251"/>
+              <a:lumOff val="29711"/>
               <a:alphaOff val="0"/>
               <a:satMod val="300000"/>
             </a:schemeClr>
@@ -2810,12 +2992,12 @@
         </a:fontRef>
       </dsp:style>
       <dsp:txBody>
-        <a:bodyPr spcFirstLastPara="0" vert="horz" wrap="square" lIns="83820" tIns="83820" rIns="83820" bIns="83820" numCol="1" spcCol="1270" rtlCol="0" anchor="ctr" anchorCtr="0">
+        <a:bodyPr spcFirstLastPara="0" vert="horz" wrap="square" lIns="80010" tIns="80010" rIns="80010" bIns="80010" numCol="1" spcCol="1270" rtlCol="0" anchor="ctr" anchorCtr="0">
           <a:noAutofit/>
         </a:bodyPr>
         <a:lstStyle/>
         <a:p>
-          <a:pPr marL="0" lvl="0" indent="0" algn="l" defTabSz="977900" rtl="0">
+          <a:pPr marL="0" lvl="0" indent="0" algn="l" defTabSz="933450" rtl="0">
             <a:lnSpc>
               <a:spcPct val="90000"/>
             </a:lnSpc>
@@ -2828,26 +3010,168 @@
             <a:buNone/>
           </a:pPr>
           <a:r>
-            <a:rPr lang="en-US" sz="2200" kern="1200" dirty="0"/>
-            <a:t>Application of the defined criteria </a:t>
+            <a:rPr lang="en-US" sz="2100" kern="1200" dirty="0"/>
+            <a:t>Application of the defined criteria</a:t>
           </a:r>
-          <a:endParaRPr lang="de-DE" sz="2200" kern="1200" dirty="0"/>
+          <a:endParaRPr lang="de-DE" sz="2100" kern="1200" dirty="0"/>
         </a:p>
       </dsp:txBody>
       <dsp:txXfrm>
-        <a:off x="1044457" y="3511971"/>
-        <a:ext cx="3026339" cy="924890"/>
+        <a:off x="899569" y="2769909"/>
+        <a:ext cx="3048803" cy="756728"/>
       </dsp:txXfrm>
     </dsp:sp>
-    <dsp:sp modelId="{95E0A744-290B-43C7-A31E-926727B0E879}">
+    <dsp:sp modelId="{8AD08553-AB70-4780-9B27-104F576D6A5D}">
       <dsp:nvSpPr>
         <dsp:cNvPr id="0" name=""/>
         <dsp:cNvSpPr/>
       </dsp:nvSpPr>
       <dsp:spPr>
         <a:xfrm>
-          <a:off x="3424143" y="752459"/>
-          <a:ext cx="638586" cy="638586"/>
+          <a:off x="1168034" y="3661822"/>
+          <a:ext cx="3910377" cy="803814"/>
+        </a:xfrm>
+        <a:prstGeom prst="roundRect">
+          <a:avLst>
+            <a:gd name="adj" fmla="val 10000"/>
+          </a:avLst>
+        </a:prstGeom>
+        <a:gradFill rotWithShape="0">
+          <a:gsLst>
+            <a:gs pos="0">
+              <a:schemeClr val="accent1">
+                <a:shade val="80000"/>
+                <a:hueOff val="0"/>
+                <a:satOff val="-75001"/>
+                <a:lumOff val="39614"/>
+                <a:alphaOff val="0"/>
+                <a:shade val="15000"/>
+                <a:satMod val="180000"/>
+              </a:schemeClr>
+            </a:gs>
+            <a:gs pos="50000">
+              <a:schemeClr val="accent1">
+                <a:shade val="80000"/>
+                <a:hueOff val="0"/>
+                <a:satOff val="-75001"/>
+                <a:lumOff val="39614"/>
+                <a:alphaOff val="0"/>
+                <a:shade val="45000"/>
+                <a:satMod val="170000"/>
+              </a:schemeClr>
+            </a:gs>
+            <a:gs pos="70000">
+              <a:schemeClr val="accent1">
+                <a:shade val="80000"/>
+                <a:hueOff val="0"/>
+                <a:satOff val="-75001"/>
+                <a:lumOff val="39614"/>
+                <a:alphaOff val="0"/>
+                <a:tint val="99000"/>
+                <a:shade val="65000"/>
+                <a:satMod val="155000"/>
+              </a:schemeClr>
+            </a:gs>
+            <a:gs pos="100000">
+              <a:schemeClr val="accent1">
+                <a:shade val="80000"/>
+                <a:hueOff val="0"/>
+                <a:satOff val="-75001"/>
+                <a:lumOff val="39614"/>
+                <a:alphaOff val="0"/>
+                <a:tint val="100000"/>
+                <a:shade val="100000"/>
+                <a:satMod val="155000"/>
+              </a:schemeClr>
+            </a:gs>
+          </a:gsLst>
+          <a:lin ang="16200000" scaled="0"/>
+        </a:gradFill>
+        <a:ln>
+          <a:noFill/>
+        </a:ln>
+        <a:effectLst>
+          <a:outerShdw blurRad="38100" dist="25400" dir="2700000" algn="br" rotWithShape="0">
+            <a:srgbClr val="000000">
+              <a:alpha val="60000"/>
+            </a:srgbClr>
+          </a:outerShdw>
+        </a:effectLst>
+        <a:scene3d>
+          <a:camera prst="orthographicFront">
+            <a:rot lat="0" lon="0" rev="0"/>
+          </a:camera>
+          <a:lightRig rig="balanced" dir="t">
+            <a:rot lat="0" lon="0" rev="5100000"/>
+          </a:lightRig>
+        </a:scene3d>
+        <a:sp3d contourW="6350">
+          <a:bevelT w="29210" h="12700"/>
+          <a:contourClr>
+            <a:schemeClr val="accent1">
+              <a:shade val="80000"/>
+              <a:hueOff val="0"/>
+              <a:satOff val="-75001"/>
+              <a:lumOff val="39614"/>
+              <a:alphaOff val="0"/>
+              <a:satMod val="300000"/>
+            </a:schemeClr>
+          </a:contourClr>
+        </a:sp3d>
+      </dsp:spPr>
+      <dsp:style>
+        <a:lnRef idx="0">
+          <a:scrgbClr r="0" g="0" b="0"/>
+        </a:lnRef>
+        <a:fillRef idx="3">
+          <a:scrgbClr r="0" g="0" b="0"/>
+        </a:fillRef>
+        <a:effectRef idx="3">
+          <a:scrgbClr r="0" g="0" b="0"/>
+        </a:effectRef>
+        <a:fontRef idx="minor">
+          <a:schemeClr val="lt1"/>
+        </a:fontRef>
+      </dsp:style>
+      <dsp:txBody>
+        <a:bodyPr spcFirstLastPara="0" vert="horz" wrap="square" lIns="80010" tIns="80010" rIns="80010" bIns="80010" numCol="1" spcCol="1270" rtlCol="0" anchor="ctr" anchorCtr="0">
+          <a:noAutofit/>
+        </a:bodyPr>
+        <a:lstStyle/>
+        <a:p>
+          <a:pPr marL="0" lvl="0" indent="0" algn="l" defTabSz="933450" rtl="0">
+            <a:lnSpc>
+              <a:spcPct val="90000"/>
+            </a:lnSpc>
+            <a:spcBef>
+              <a:spcPct val="0"/>
+            </a:spcBef>
+            <a:spcAft>
+              <a:spcPct val="35000"/>
+            </a:spcAft>
+            <a:buNone/>
+          </a:pPr>
+          <a:r>
+            <a:rPr lang="en-US" sz="2100" kern="1200" dirty="0"/>
+            <a:t>Further analysis and evaluation </a:t>
+          </a:r>
+          <a:endParaRPr lang="de-DE" sz="2100" kern="1200" dirty="0"/>
+        </a:p>
+      </dsp:txBody>
+      <dsp:txXfrm>
+        <a:off x="1191577" y="3685365"/>
+        <a:ext cx="3048803" cy="756728"/>
+      </dsp:txXfrm>
+    </dsp:sp>
+    <dsp:sp modelId="{A32FC7C5-28CC-4FD4-BF90-FAF42F5DC589}">
+      <dsp:nvSpPr>
+        <dsp:cNvPr id="0" name=""/>
+        <dsp:cNvSpPr/>
+      </dsp:nvSpPr>
+      <dsp:spPr>
+        <a:xfrm>
+          <a:off x="3387897" y="587231"/>
+          <a:ext cx="522479" cy="522479"/>
         </a:xfrm>
         <a:prstGeom prst="downArrow">
           <a:avLst>
@@ -2856,9 +3180,9 @@
           </a:avLst>
         </a:prstGeom>
         <a:solidFill>
-          <a:schemeClr val="accent3">
+          <a:schemeClr val="accent1">
+            <a:alpha val="90000"/>
             <a:tint val="40000"/>
-            <a:alpha val="90000"/>
             <a:hueOff val="0"/>
             <a:satOff val="0"/>
             <a:lumOff val="0"/>
@@ -2867,9 +3191,9 @@
         </a:solidFill>
         <a:ln w="9525" cap="flat" cmpd="sng" algn="ctr">
           <a:solidFill>
-            <a:schemeClr val="accent3">
+            <a:schemeClr val="accent1">
+              <a:alpha val="90000"/>
               <a:tint val="40000"/>
-              <a:alpha val="90000"/>
               <a:hueOff val="0"/>
               <a:satOff val="0"/>
               <a:lumOff val="0"/>
@@ -2899,12 +3223,12 @@
         <a:fontRef idx="minor"/>
       </dsp:style>
       <dsp:txBody>
-        <a:bodyPr spcFirstLastPara="0" vert="horz" wrap="square" lIns="36830" tIns="36830" rIns="36830" bIns="36830" numCol="1" spcCol="1270" rtlCol="0" anchor="ctr" anchorCtr="0">
+        <a:bodyPr spcFirstLastPara="0" vert="horz" wrap="square" lIns="29210" tIns="29210" rIns="29210" bIns="29210" numCol="1" spcCol="1270" rtlCol="0" anchor="ctr" anchorCtr="0">
           <a:noAutofit/>
         </a:bodyPr>
         <a:lstStyle/>
         <a:p>
-          <a:pPr marL="0" lvl="0" indent="0" algn="ctr" defTabSz="1289050" rtl="0">
+          <a:pPr marL="0" lvl="0" indent="0" algn="ctr" defTabSz="1022350" rtl="0">
             <a:lnSpc>
               <a:spcPct val="90000"/>
             </a:lnSpc>
@@ -2916,23 +3240,23 @@
             </a:spcAft>
             <a:buNone/>
           </a:pPr>
-          <a:endParaRPr lang="en-US" sz="2900" kern="1200"/>
+          <a:endParaRPr lang="en-US" sz="2300" kern="1200"/>
         </a:p>
       </dsp:txBody>
       <dsp:txXfrm>
-        <a:off x="3567825" y="752459"/>
-        <a:ext cx="351222" cy="480536"/>
+        <a:off x="3505455" y="587231"/>
+        <a:ext cx="287363" cy="393165"/>
       </dsp:txXfrm>
     </dsp:sp>
-    <dsp:sp modelId="{245B3952-C11A-4E36-946E-17E52E99DF13}">
+    <dsp:sp modelId="{EC578C14-D414-4A4D-9C8E-09250F203B1D}">
       <dsp:nvSpPr>
         <dsp:cNvPr id="0" name=""/>
         <dsp:cNvSpPr/>
       </dsp:nvSpPr>
       <dsp:spPr>
         <a:xfrm>
-          <a:off x="3764397" y="1913525"/>
-          <a:ext cx="638586" cy="638586"/>
+          <a:off x="3679906" y="1502686"/>
+          <a:ext cx="522479" cy="522479"/>
         </a:xfrm>
         <a:prstGeom prst="downArrow">
           <a:avLst>
@@ -2941,23 +3265,23 @@
           </a:avLst>
         </a:prstGeom>
         <a:solidFill>
-          <a:schemeClr val="accent3">
+          <a:schemeClr val="accent1">
+            <a:alpha val="90000"/>
             <a:tint val="40000"/>
-            <a:alpha val="90000"/>
-            <a:hueOff val="-6709791"/>
-            <a:satOff val="5493"/>
-            <a:lumOff val="1181"/>
+            <a:hueOff val="0"/>
+            <a:satOff val="0"/>
+            <a:lumOff val="0"/>
             <a:alphaOff val="0"/>
           </a:schemeClr>
         </a:solidFill>
         <a:ln w="9525" cap="flat" cmpd="sng" algn="ctr">
           <a:solidFill>
-            <a:schemeClr val="accent3">
+            <a:schemeClr val="accent1">
+              <a:alpha val="90000"/>
               <a:tint val="40000"/>
-              <a:alpha val="90000"/>
-              <a:hueOff val="-6709791"/>
-              <a:satOff val="5493"/>
-              <a:lumOff val="1181"/>
+              <a:hueOff val="0"/>
+              <a:satOff val="0"/>
+              <a:lumOff val="0"/>
               <a:alphaOff val="0"/>
             </a:schemeClr>
           </a:solidFill>
@@ -2984,12 +3308,12 @@
         <a:fontRef idx="minor"/>
       </dsp:style>
       <dsp:txBody>
-        <a:bodyPr spcFirstLastPara="0" vert="horz" wrap="square" lIns="36830" tIns="36830" rIns="36830" bIns="36830" numCol="1" spcCol="1270" rtlCol="0" anchor="ctr" anchorCtr="0">
+        <a:bodyPr spcFirstLastPara="0" vert="horz" wrap="square" lIns="29210" tIns="29210" rIns="29210" bIns="29210" numCol="1" spcCol="1270" rtlCol="0" anchor="ctr" anchorCtr="0">
           <a:noAutofit/>
         </a:bodyPr>
         <a:lstStyle/>
         <a:p>
-          <a:pPr marL="0" lvl="0" indent="0" algn="ctr" defTabSz="1289050" rtl="0">
+          <a:pPr marL="0" lvl="0" indent="0" algn="ctr" defTabSz="1022350" rtl="0">
             <a:lnSpc>
               <a:spcPct val="90000"/>
             </a:lnSpc>
@@ -3001,23 +3325,23 @@
             </a:spcAft>
             <a:buNone/>
           </a:pPr>
-          <a:endParaRPr lang="en-US" sz="2900" kern="1200"/>
+          <a:endParaRPr lang="en-US" sz="2300" kern="1200"/>
         </a:p>
       </dsp:txBody>
       <dsp:txXfrm>
-        <a:off x="3908079" y="1913525"/>
-        <a:ext cx="351222" cy="480536"/>
+        <a:off x="3797464" y="1502686"/>
+        <a:ext cx="287363" cy="393165"/>
       </dsp:txXfrm>
     </dsp:sp>
-    <dsp:sp modelId="{0573D651-9D72-44FD-88A1-195644D94676}">
+    <dsp:sp modelId="{33E06F3E-FC5B-4A01-AAD4-7A2B02EC6068}">
       <dsp:nvSpPr>
         <dsp:cNvPr id="0" name=""/>
         <dsp:cNvSpPr/>
       </dsp:nvSpPr>
       <dsp:spPr>
         <a:xfrm>
-          <a:off x="4099572" y="3074591"/>
-          <a:ext cx="638586" cy="638586"/>
+          <a:off x="3971915" y="2404745"/>
+          <a:ext cx="522479" cy="522479"/>
         </a:xfrm>
         <a:prstGeom prst="downArrow">
           <a:avLst>
@@ -3026,23 +3350,23 @@
           </a:avLst>
         </a:prstGeom>
         <a:solidFill>
-          <a:schemeClr val="accent3">
+          <a:schemeClr val="accent1">
+            <a:alpha val="90000"/>
             <a:tint val="40000"/>
-            <a:alpha val="90000"/>
-            <a:hueOff val="-13419582"/>
-            <a:satOff val="10987"/>
-            <a:lumOff val="2363"/>
+            <a:hueOff val="0"/>
+            <a:satOff val="0"/>
+            <a:lumOff val="0"/>
             <a:alphaOff val="0"/>
           </a:schemeClr>
         </a:solidFill>
         <a:ln w="9525" cap="flat" cmpd="sng" algn="ctr">
           <a:solidFill>
-            <a:schemeClr val="accent3">
+            <a:schemeClr val="accent1">
+              <a:alpha val="90000"/>
               <a:tint val="40000"/>
-              <a:alpha val="90000"/>
-              <a:hueOff val="-13419582"/>
-              <a:satOff val="10987"/>
-              <a:lumOff val="2363"/>
+              <a:hueOff val="0"/>
+              <a:satOff val="0"/>
+              <a:lumOff val="0"/>
               <a:alphaOff val="0"/>
             </a:schemeClr>
           </a:solidFill>
@@ -3069,12 +3393,12 @@
         <a:fontRef idx="minor"/>
       </dsp:style>
       <dsp:txBody>
-        <a:bodyPr spcFirstLastPara="0" vert="horz" wrap="square" lIns="36830" tIns="36830" rIns="36830" bIns="36830" numCol="1" spcCol="1270" rtlCol="0" anchor="ctr" anchorCtr="0">
+        <a:bodyPr spcFirstLastPara="0" vert="horz" wrap="square" lIns="29210" tIns="29210" rIns="29210" bIns="29210" numCol="1" spcCol="1270" rtlCol="0" anchor="ctr" anchorCtr="0">
           <a:noAutofit/>
         </a:bodyPr>
         <a:lstStyle/>
         <a:p>
-          <a:pPr marL="0" lvl="0" indent="0" algn="ctr" defTabSz="1289050" rtl="0">
+          <a:pPr marL="0" lvl="0" indent="0" algn="ctr" defTabSz="1022350" rtl="0">
             <a:lnSpc>
               <a:spcPct val="90000"/>
             </a:lnSpc>
@@ -3086,12 +3410,97 @@
             </a:spcAft>
             <a:buNone/>
           </a:pPr>
-          <a:endParaRPr lang="en-US" sz="2900" kern="1200"/>
+          <a:endParaRPr lang="en-US" sz="2300" kern="1200"/>
         </a:p>
       </dsp:txBody>
       <dsp:txXfrm>
-        <a:off x="4243254" y="3074591"/>
-        <a:ext cx="351222" cy="480536"/>
+        <a:off x="4089473" y="2404745"/>
+        <a:ext cx="287363" cy="393165"/>
+      </dsp:txXfrm>
+    </dsp:sp>
+    <dsp:sp modelId="{D869D675-6C48-4D0B-AABA-E195EBEF9241}">
+      <dsp:nvSpPr>
+        <dsp:cNvPr id="0" name=""/>
+        <dsp:cNvSpPr/>
+      </dsp:nvSpPr>
+      <dsp:spPr>
+        <a:xfrm>
+          <a:off x="4263923" y="3329132"/>
+          <a:ext cx="522479" cy="522479"/>
+        </a:xfrm>
+        <a:prstGeom prst="downArrow">
+          <a:avLst>
+            <a:gd name="adj1" fmla="val 55000"/>
+            <a:gd name="adj2" fmla="val 45000"/>
+          </a:avLst>
+        </a:prstGeom>
+        <a:solidFill>
+          <a:schemeClr val="accent1">
+            <a:alpha val="90000"/>
+            <a:tint val="40000"/>
+            <a:hueOff val="0"/>
+            <a:satOff val="0"/>
+            <a:lumOff val="0"/>
+            <a:alphaOff val="0"/>
+          </a:schemeClr>
+        </a:solidFill>
+        <a:ln w="9525" cap="flat" cmpd="sng" algn="ctr">
+          <a:solidFill>
+            <a:schemeClr val="accent1">
+              <a:alpha val="90000"/>
+              <a:tint val="40000"/>
+              <a:hueOff val="0"/>
+              <a:satOff val="0"/>
+              <a:lumOff val="0"/>
+              <a:alphaOff val="0"/>
+            </a:schemeClr>
+          </a:solidFill>
+          <a:miter lim="800000"/>
+        </a:ln>
+        <a:effectLst>
+          <a:outerShdw blurRad="38100" dist="25400" dir="2700000" algn="br" rotWithShape="0">
+            <a:srgbClr val="000000">
+              <a:alpha val="60000"/>
+            </a:srgbClr>
+          </a:outerShdw>
+        </a:effectLst>
+      </dsp:spPr>
+      <dsp:style>
+        <a:lnRef idx="1">
+          <a:scrgbClr r="0" g="0" b="0"/>
+        </a:lnRef>
+        <a:fillRef idx="1">
+          <a:scrgbClr r="0" g="0" b="0"/>
+        </a:fillRef>
+        <a:effectRef idx="2">
+          <a:scrgbClr r="0" g="0" b="0"/>
+        </a:effectRef>
+        <a:fontRef idx="minor"/>
+      </dsp:style>
+      <dsp:txBody>
+        <a:bodyPr spcFirstLastPara="0" vert="horz" wrap="square" lIns="29210" tIns="29210" rIns="29210" bIns="29210" numCol="1" spcCol="1270" rtlCol="0" anchor="ctr" anchorCtr="0">
+          <a:noAutofit/>
+        </a:bodyPr>
+        <a:lstStyle/>
+        <a:p>
+          <a:pPr marL="0" lvl="0" indent="0" algn="ctr" defTabSz="1022350">
+            <a:lnSpc>
+              <a:spcPct val="90000"/>
+            </a:lnSpc>
+            <a:spcBef>
+              <a:spcPct val="0"/>
+            </a:spcBef>
+            <a:spcAft>
+              <a:spcPct val="35000"/>
+            </a:spcAft>
+            <a:buNone/>
+          </a:pPr>
+          <a:endParaRPr lang="de-DE" sz="2300" kern="1200"/>
+        </a:p>
+      </dsp:txBody>
+      <dsp:txXfrm>
+        <a:off x="4381481" y="3329132"/>
+        <a:ext cx="287363" cy="393165"/>
       </dsp:txXfrm>
     </dsp:sp>
   </dsp:spTree>
@@ -11269,7 +11678,22 @@
               <a:rPr lang="en-US" dirty="0"/>
               <a:t> RNA-dependent proteins </a:t>
             </a:r>
-            <a:endParaRPr lang="de-DE" dirty="0"/>
+          </a:p>
+          <a:p>
+            <a:pPr rtl="0"/>
+            <a:endParaRPr lang="en-US" dirty="0"/>
+          </a:p>
+          <a:p>
+            <a:pPr rtl="0"/>
+            <a:endParaRPr lang="en-US" dirty="0"/>
+          </a:p>
+          <a:p>
+            <a:pPr rtl="0"/>
+            <a:r>
+              <a:rPr lang="en-US" sz="2000" dirty="0"/>
+              <a:t>Literature: </a:t>
+            </a:r>
+            <a:endParaRPr lang="de-DE" sz="2000" dirty="0"/>
           </a:p>
         </p:txBody>
       </p:sp>
@@ -11283,7 +11707,7 @@
             <p:ph sz="half" idx="2"/>
             <p:extLst>
               <p:ext uri="{D42A27DB-BD31-4B8C-83A1-F6EECF244321}">
-                <p14:modId xmlns:p14="http://schemas.microsoft.com/office/powerpoint/2010/main" val="3082857181"/>
+                <p14:modId xmlns:p14="http://schemas.microsoft.com/office/powerpoint/2010/main" val="413468668"/>
               </p:ext>
             </p:extLst>
           </p:nvPr>

--- a/Project proposal.pptx
+++ b/Project proposal.pptx
@@ -1997,11 +1997,11 @@
           </a:r>
           <a:r>
             <a:rPr lang="de-DE" b="0" dirty="0"/>
-            <a:t> and clean </a:t>
+            <a:t> and </a:t>
           </a:r>
           <a:r>
             <a:rPr lang="de-DE" b="0" dirty="0" err="1"/>
-            <a:t>up</a:t>
+            <a:t>cleanup</a:t>
           </a:r>
           <a:r>
             <a:rPr lang="de-DE" b="0" dirty="0"/>
@@ -2549,11 +2549,11 @@
           </a:r>
           <a:r>
             <a:rPr lang="de-DE" sz="2100" b="0" kern="1200" dirty="0"/>
-            <a:t> and clean </a:t>
+            <a:t> and </a:t>
           </a:r>
           <a:r>
             <a:rPr lang="de-DE" sz="2100" b="0" kern="1200" dirty="0" err="1"/>
-            <a:t>up</a:t>
+            <a:t>cleanup</a:t>
           </a:r>
           <a:r>
             <a:rPr lang="de-DE" sz="2100" b="0" kern="1200" dirty="0"/>
@@ -11707,7 +11707,7 @@
             <p:ph sz="half" idx="2"/>
             <p:extLst>
               <p:ext uri="{D42A27DB-BD31-4B8C-83A1-F6EECF244321}">
-                <p14:modId xmlns:p14="http://schemas.microsoft.com/office/powerpoint/2010/main" val="413468668"/>
+                <p14:modId xmlns:p14="http://schemas.microsoft.com/office/powerpoint/2010/main" val="2914582077"/>
               </p:ext>
             </p:extLst>
           </p:nvPr>
